--- a/kubernetes/eks/EKS.pptx
+++ b/kubernetes/eks/EKS.pptx
@@ -21,6 +21,8 @@
     <p:sldId id="269" r:id="rId15"/>
     <p:sldId id="270" r:id="rId16"/>
     <p:sldId id="271" r:id="rId17"/>
+    <p:sldId id="272" r:id="rId18"/>
+    <p:sldId id="273" r:id="rId19"/>
   </p:sldIdLst>
   <p:sldSz cx="12192000" cy="6858000"/>
   <p:notesSz cx="6858000" cy="9144000"/>
@@ -119,7 +121,375 @@
       </a:defRPr>
     </a:lvl9pPr>
   </p:defaultTextStyle>
+  <p:extLst>
+    <p:ext uri="{EFAFB233-063F-42B5-8137-9DF3F51BA10A}">
+      <p15:sldGuideLst xmlns:p15="http://schemas.microsoft.com/office/powerpoint/2012/main"/>
+    </p:ext>
+  </p:extLst>
 </p:presentation>
+</file>
+
+<file path=ppt/revisionInfo.xml><?xml version="1.0" encoding="utf-8"?>
+<p1510:revInfo xmlns:a="http://schemas.openxmlformats.org/drawingml/2006/main" xmlns:r="http://schemas.openxmlformats.org/officeDocument/2006/relationships" xmlns:p1510="http://schemas.microsoft.com/office/powerpoint/2015/10/main">
+  <p1510:revLst>
+    <p1510:client id="{74B47E41-A967-4FFF-97FC-293B03D3444E}" v="15" dt="2024-01-19T06:31:17.619"/>
+  </p1510:revLst>
+</p1510:revInfo>
+</file>
+
+<file path=ppt/changesInfos/changesInfo1.xml><?xml version="1.0" encoding="utf-8"?>
+<pc:chgInfo xmlns:a="http://schemas.openxmlformats.org/drawingml/2006/main" xmlns:r="http://schemas.openxmlformats.org/officeDocument/2006/relationships" xmlns:ac="http://schemas.microsoft.com/office/drawing/2013/main/command" xmlns:pc="http://schemas.microsoft.com/office/powerpoint/2013/main/command">
+  <pc:docChgLst>
+    <pc:chgData name="See Eric" userId="5c1fa3cd-2257-48a3-9d59-f98c697e9c01" providerId="ADAL" clId="{74B47E41-A967-4FFF-97FC-293B03D3444E}"/>
+    <pc:docChg chg="custSel addSld modSld">
+      <pc:chgData name="See Eric" userId="5c1fa3cd-2257-48a3-9d59-f98c697e9c01" providerId="ADAL" clId="{74B47E41-A967-4FFF-97FC-293B03D3444E}" dt="2024-01-19T06:33:04.839" v="298" actId="207"/>
+      <pc:docMkLst>
+        <pc:docMk/>
+      </pc:docMkLst>
+      <pc:sldChg chg="modSp mod">
+        <pc:chgData name="See Eric" userId="5c1fa3cd-2257-48a3-9d59-f98c697e9c01" providerId="ADAL" clId="{74B47E41-A967-4FFF-97FC-293B03D3444E}" dt="2024-01-19T05:56:33.660" v="6" actId="20577"/>
+        <pc:sldMkLst>
+          <pc:docMk/>
+          <pc:sldMk cId="1353105420" sldId="256"/>
+        </pc:sldMkLst>
+        <pc:spChg chg="mod">
+          <ac:chgData name="See Eric" userId="5c1fa3cd-2257-48a3-9d59-f98c697e9c01" providerId="ADAL" clId="{74B47E41-A967-4FFF-97FC-293B03D3444E}" dt="2024-01-19T05:56:33.660" v="6" actId="20577"/>
+          <ac:spMkLst>
+            <pc:docMk/>
+            <pc:sldMk cId="1353105420" sldId="256"/>
+            <ac:spMk id="3" creationId="{E5E58BD4-6808-9534-9B61-F4010DD9CFE1}"/>
+          </ac:spMkLst>
+        </pc:spChg>
+      </pc:sldChg>
+      <pc:sldChg chg="addSp delSp modSp new mod">
+        <pc:chgData name="See Eric" userId="5c1fa3cd-2257-48a3-9d59-f98c697e9c01" providerId="ADAL" clId="{74B47E41-A967-4FFF-97FC-293B03D3444E}" dt="2024-01-19T06:33:04.839" v="298" actId="207"/>
+        <pc:sldMkLst>
+          <pc:docMk/>
+          <pc:sldMk cId="2744303575" sldId="272"/>
+        </pc:sldMkLst>
+        <pc:spChg chg="mod">
+          <ac:chgData name="See Eric" userId="5c1fa3cd-2257-48a3-9d59-f98c697e9c01" providerId="ADAL" clId="{74B47E41-A967-4FFF-97FC-293B03D3444E}" dt="2024-01-19T06:32:16.987" v="292" actId="20577"/>
+          <ac:spMkLst>
+            <pc:docMk/>
+            <pc:sldMk cId="2744303575" sldId="272"/>
+            <ac:spMk id="2" creationId="{39BC1BE8-4D55-8546-EF2F-CCD4524D72CD}"/>
+          </ac:spMkLst>
+        </pc:spChg>
+        <pc:spChg chg="del">
+          <ac:chgData name="See Eric" userId="5c1fa3cd-2257-48a3-9d59-f98c697e9c01" providerId="ADAL" clId="{74B47E41-A967-4FFF-97FC-293B03D3444E}" dt="2024-01-19T05:56:44.499" v="13" actId="478"/>
+          <ac:spMkLst>
+            <pc:docMk/>
+            <pc:sldMk cId="2744303575" sldId="272"/>
+            <ac:spMk id="3" creationId="{CACBD2FE-4D65-7637-0492-842DE56EE298}"/>
+          </ac:spMkLst>
+        </pc:spChg>
+        <pc:spChg chg="add mod">
+          <ac:chgData name="See Eric" userId="5c1fa3cd-2257-48a3-9d59-f98c697e9c01" providerId="ADAL" clId="{74B47E41-A967-4FFF-97FC-293B03D3444E}" dt="2024-01-19T06:28:00.250" v="186" actId="1076"/>
+          <ac:spMkLst>
+            <pc:docMk/>
+            <pc:sldMk cId="2744303575" sldId="272"/>
+            <ac:spMk id="4" creationId="{60DE79D7-7E4B-38BC-8F39-902F8E7CE4B7}"/>
+          </ac:spMkLst>
+        </pc:spChg>
+        <pc:spChg chg="add mod">
+          <ac:chgData name="See Eric" userId="5c1fa3cd-2257-48a3-9d59-f98c697e9c01" providerId="ADAL" clId="{74B47E41-A967-4FFF-97FC-293B03D3444E}" dt="2024-01-19T06:07:16.981" v="185" actId="1076"/>
+          <ac:spMkLst>
+            <pc:docMk/>
+            <pc:sldMk cId="2744303575" sldId="272"/>
+            <ac:spMk id="5" creationId="{2B817390-D34A-2121-0C8E-1A2B4BD717A0}"/>
+          </ac:spMkLst>
+        </pc:spChg>
+        <pc:spChg chg="add mod">
+          <ac:chgData name="See Eric" userId="5c1fa3cd-2257-48a3-9d59-f98c697e9c01" providerId="ADAL" clId="{74B47E41-A967-4FFF-97FC-293B03D3444E}" dt="2024-01-19T06:01:58.989" v="129" actId="14100"/>
+          <ac:spMkLst>
+            <pc:docMk/>
+            <pc:sldMk cId="2744303575" sldId="272"/>
+            <ac:spMk id="6" creationId="{5A20D77C-E992-5FF1-CEB2-981DAA6AC90A}"/>
+          </ac:spMkLst>
+        </pc:spChg>
+        <pc:spChg chg="add mod">
+          <ac:chgData name="See Eric" userId="5c1fa3cd-2257-48a3-9d59-f98c697e9c01" providerId="ADAL" clId="{74B47E41-A967-4FFF-97FC-293B03D3444E}" dt="2024-01-19T06:00:16.879" v="49" actId="113"/>
+          <ac:spMkLst>
+            <pc:docMk/>
+            <pc:sldMk cId="2744303575" sldId="272"/>
+            <ac:spMk id="7" creationId="{4FC3C9A1-2677-A54E-83B1-0FF956C8F14E}"/>
+          </ac:spMkLst>
+        </pc:spChg>
+        <pc:spChg chg="add mod">
+          <ac:chgData name="See Eric" userId="5c1fa3cd-2257-48a3-9d59-f98c697e9c01" providerId="ADAL" clId="{74B47E41-A967-4FFF-97FC-293B03D3444E}" dt="2024-01-19T06:00:24.246" v="51" actId="1076"/>
+          <ac:spMkLst>
+            <pc:docMk/>
+            <pc:sldMk cId="2744303575" sldId="272"/>
+            <ac:spMk id="8" creationId="{7E2A4192-8D29-5E10-63B2-282324EB45BD}"/>
+          </ac:spMkLst>
+        </pc:spChg>
+        <pc:spChg chg="add mod">
+          <ac:chgData name="See Eric" userId="5c1fa3cd-2257-48a3-9d59-f98c697e9c01" providerId="ADAL" clId="{74B47E41-A967-4FFF-97FC-293B03D3444E}" dt="2024-01-19T06:00:47.015" v="70" actId="20577"/>
+          <ac:spMkLst>
+            <pc:docMk/>
+            <pc:sldMk cId="2744303575" sldId="272"/>
+            <ac:spMk id="9" creationId="{5904722D-9645-6277-7D58-D29553F1D7DB}"/>
+          </ac:spMkLst>
+        </pc:spChg>
+        <pc:spChg chg="add mod">
+          <ac:chgData name="See Eric" userId="5c1fa3cd-2257-48a3-9d59-f98c697e9c01" providerId="ADAL" clId="{74B47E41-A967-4FFF-97FC-293B03D3444E}" dt="2024-01-19T06:01:07.737" v="88" actId="14100"/>
+          <ac:spMkLst>
+            <pc:docMk/>
+            <pc:sldMk cId="2744303575" sldId="272"/>
+            <ac:spMk id="10" creationId="{FA4E9B48-03CD-AF19-A76E-8D8617C34DB4}"/>
+          </ac:spMkLst>
+        </pc:spChg>
+        <pc:spChg chg="add mod">
+          <ac:chgData name="See Eric" userId="5c1fa3cd-2257-48a3-9d59-f98c697e9c01" providerId="ADAL" clId="{74B47E41-A967-4FFF-97FC-293B03D3444E}" dt="2024-01-19T06:01:21.829" v="98" actId="20577"/>
+          <ac:spMkLst>
+            <pc:docMk/>
+            <pc:sldMk cId="2744303575" sldId="272"/>
+            <ac:spMk id="11" creationId="{9579CD9A-ED41-E696-274D-35EE10091814}"/>
+          </ac:spMkLst>
+        </pc:spChg>
+        <pc:spChg chg="add mod">
+          <ac:chgData name="See Eric" userId="5c1fa3cd-2257-48a3-9d59-f98c697e9c01" providerId="ADAL" clId="{74B47E41-A967-4FFF-97FC-293B03D3444E}" dt="2024-01-19T06:01:31.853" v="107" actId="20577"/>
+          <ac:spMkLst>
+            <pc:docMk/>
+            <pc:sldMk cId="2744303575" sldId="272"/>
+            <ac:spMk id="12" creationId="{21F24CF8-CD16-A47D-76A2-ADCA2F390EB8}"/>
+          </ac:spMkLst>
+        </pc:spChg>
+        <pc:spChg chg="add mod">
+          <ac:chgData name="See Eric" userId="5c1fa3cd-2257-48a3-9d59-f98c697e9c01" providerId="ADAL" clId="{74B47E41-A967-4FFF-97FC-293B03D3444E}" dt="2024-01-19T06:31:42.715" v="281" actId="1076"/>
+          <ac:spMkLst>
+            <pc:docMk/>
+            <pc:sldMk cId="2744303575" sldId="272"/>
+            <ac:spMk id="13" creationId="{E092A28F-30CD-9726-2EC7-018580651ECC}"/>
+          </ac:spMkLst>
+        </pc:spChg>
+        <pc:spChg chg="add mod">
+          <ac:chgData name="See Eric" userId="5c1fa3cd-2257-48a3-9d59-f98c697e9c01" providerId="ADAL" clId="{74B47E41-A967-4FFF-97FC-293B03D3444E}" dt="2024-01-19T06:31:50.629" v="283" actId="1076"/>
+          <ac:spMkLst>
+            <pc:docMk/>
+            <pc:sldMk cId="2744303575" sldId="272"/>
+            <ac:spMk id="14" creationId="{8C4BA116-45E4-15D5-755D-CCDB33F15940}"/>
+          </ac:spMkLst>
+        </pc:spChg>
+        <pc:spChg chg="add mod">
+          <ac:chgData name="See Eric" userId="5c1fa3cd-2257-48a3-9d59-f98c697e9c01" providerId="ADAL" clId="{74B47E41-A967-4FFF-97FC-293B03D3444E}" dt="2024-01-19T06:02:15.068" v="147" actId="20577"/>
+          <ac:spMkLst>
+            <pc:docMk/>
+            <pc:sldMk cId="2744303575" sldId="272"/>
+            <ac:spMk id="15" creationId="{3A14EB10-56A8-37EB-EA2C-FAB61DE84170}"/>
+          </ac:spMkLst>
+        </pc:spChg>
+        <pc:spChg chg="add mod">
+          <ac:chgData name="See Eric" userId="5c1fa3cd-2257-48a3-9d59-f98c697e9c01" providerId="ADAL" clId="{74B47E41-A967-4FFF-97FC-293B03D3444E}" dt="2024-01-19T06:02:24.940" v="154" actId="20577"/>
+          <ac:spMkLst>
+            <pc:docMk/>
+            <pc:sldMk cId="2744303575" sldId="272"/>
+            <ac:spMk id="16" creationId="{973203AF-BB33-CE22-197C-A65D7537DA4C}"/>
+          </ac:spMkLst>
+        </pc:spChg>
+        <pc:spChg chg="add mod ord">
+          <ac:chgData name="See Eric" userId="5c1fa3cd-2257-48a3-9d59-f98c697e9c01" providerId="ADAL" clId="{74B47E41-A967-4FFF-97FC-293B03D3444E}" dt="2024-01-19T06:33:04.839" v="298" actId="207"/>
+          <ac:spMkLst>
+            <pc:docMk/>
+            <pc:sldMk cId="2744303575" sldId="272"/>
+            <ac:spMk id="17" creationId="{BF826205-0E96-AD7A-0F8A-9D90A9BC54BF}"/>
+          </ac:spMkLst>
+        </pc:spChg>
+        <pc:spChg chg="add mod">
+          <ac:chgData name="See Eric" userId="5c1fa3cd-2257-48a3-9d59-f98c697e9c01" providerId="ADAL" clId="{74B47E41-A967-4FFF-97FC-293B03D3444E}" dt="2024-01-19T06:02:53.592" v="171" actId="113"/>
+          <ac:spMkLst>
+            <pc:docMk/>
+            <pc:sldMk cId="2744303575" sldId="272"/>
+            <ac:spMk id="18" creationId="{EF7984BD-FC6B-1C56-6DE9-5848AC6EC645}"/>
+          </ac:spMkLst>
+        </pc:spChg>
+        <pc:cxnChg chg="add mod">
+          <ac:chgData name="See Eric" userId="5c1fa3cd-2257-48a3-9d59-f98c697e9c01" providerId="ADAL" clId="{74B47E41-A967-4FFF-97FC-293B03D3444E}" dt="2024-01-19T06:28:00.250" v="186" actId="1076"/>
+          <ac:cxnSpMkLst>
+            <pc:docMk/>
+            <pc:sldMk cId="2744303575" sldId="272"/>
+            <ac:cxnSpMk id="20" creationId="{AA6910B3-6A9D-CB02-0B5D-226549CEDA25}"/>
+          </ac:cxnSpMkLst>
+        </pc:cxnChg>
+        <pc:cxnChg chg="add mod">
+          <ac:chgData name="See Eric" userId="5c1fa3cd-2257-48a3-9d59-f98c697e9c01" providerId="ADAL" clId="{74B47E41-A967-4FFF-97FC-293B03D3444E}" dt="2024-01-19T06:31:42.715" v="281" actId="1076"/>
+          <ac:cxnSpMkLst>
+            <pc:docMk/>
+            <pc:sldMk cId="2744303575" sldId="272"/>
+            <ac:cxnSpMk id="28" creationId="{895BD3A0-5DFE-7E52-9706-23EB8E741408}"/>
+          </ac:cxnSpMkLst>
+        </pc:cxnChg>
+        <pc:cxnChg chg="add mod">
+          <ac:chgData name="See Eric" userId="5c1fa3cd-2257-48a3-9d59-f98c697e9c01" providerId="ADAL" clId="{74B47E41-A967-4FFF-97FC-293B03D3444E}" dt="2024-01-19T06:31:50.629" v="283" actId="1076"/>
+          <ac:cxnSpMkLst>
+            <pc:docMk/>
+            <pc:sldMk cId="2744303575" sldId="272"/>
+            <ac:cxnSpMk id="31" creationId="{8B9AC14D-2401-CEFC-D5A2-95A850A5BD35}"/>
+          </ac:cxnSpMkLst>
+        </pc:cxnChg>
+        <pc:cxnChg chg="add">
+          <ac:chgData name="See Eric" userId="5c1fa3cd-2257-48a3-9d59-f98c697e9c01" providerId="ADAL" clId="{74B47E41-A967-4FFF-97FC-293B03D3444E}" dt="2024-01-19T06:31:53.759" v="284" actId="11529"/>
+          <ac:cxnSpMkLst>
+            <pc:docMk/>
+            <pc:sldMk cId="2744303575" sldId="272"/>
+            <ac:cxnSpMk id="34" creationId="{0DD40EA8-6C68-B529-0F13-FA1F06BDDD0A}"/>
+          </ac:cxnSpMkLst>
+        </pc:cxnChg>
+        <pc:cxnChg chg="add">
+          <ac:chgData name="See Eric" userId="5c1fa3cd-2257-48a3-9d59-f98c697e9c01" providerId="ADAL" clId="{74B47E41-A967-4FFF-97FC-293B03D3444E}" dt="2024-01-19T06:32:00.607" v="285" actId="11529"/>
+          <ac:cxnSpMkLst>
+            <pc:docMk/>
+            <pc:sldMk cId="2744303575" sldId="272"/>
+            <ac:cxnSpMk id="36" creationId="{E2919DEC-C7E0-FD72-2F37-B54BAF8BFF33}"/>
+          </ac:cxnSpMkLst>
+        </pc:cxnChg>
+      </pc:sldChg>
+      <pc:sldChg chg="addSp delSp modSp add mod">
+        <pc:chgData name="See Eric" userId="5c1fa3cd-2257-48a3-9d59-f98c697e9c01" providerId="ADAL" clId="{74B47E41-A967-4FFF-97FC-293B03D3444E}" dt="2024-01-19T06:32:42.864" v="295" actId="207"/>
+        <pc:sldMkLst>
+          <pc:docMk/>
+          <pc:sldMk cId="2794500971" sldId="273"/>
+        </pc:sldMkLst>
+        <pc:spChg chg="mod">
+          <ac:chgData name="See Eric" userId="5c1fa3cd-2257-48a3-9d59-f98c697e9c01" providerId="ADAL" clId="{74B47E41-A967-4FFF-97FC-293B03D3444E}" dt="2024-01-19T06:31:13.593" v="278" actId="20577"/>
+          <ac:spMkLst>
+            <pc:docMk/>
+            <pc:sldMk cId="2794500971" sldId="273"/>
+            <ac:spMk id="2" creationId="{39BC1BE8-4D55-8546-EF2F-CCD4524D72CD}"/>
+          </ac:spMkLst>
+        </pc:spChg>
+        <pc:spChg chg="mod">
+          <ac:chgData name="See Eric" userId="5c1fa3cd-2257-48a3-9d59-f98c697e9c01" providerId="ADAL" clId="{74B47E41-A967-4FFF-97FC-293B03D3444E}" dt="2024-01-19T06:28:12.714" v="187" actId="1076"/>
+          <ac:spMkLst>
+            <pc:docMk/>
+            <pc:sldMk cId="2794500971" sldId="273"/>
+            <ac:spMk id="5" creationId="{2B817390-D34A-2121-0C8E-1A2B4BD717A0}"/>
+          </ac:spMkLst>
+        </pc:spChg>
+        <pc:spChg chg="mod">
+          <ac:chgData name="See Eric" userId="5c1fa3cd-2257-48a3-9d59-f98c697e9c01" providerId="ADAL" clId="{74B47E41-A967-4FFF-97FC-293B03D3444E}" dt="2024-01-19T06:29:42.595" v="230" actId="14100"/>
+          <ac:spMkLst>
+            <pc:docMk/>
+            <pc:sldMk cId="2794500971" sldId="273"/>
+            <ac:spMk id="6" creationId="{5A20D77C-E992-5FF1-CEB2-981DAA6AC90A}"/>
+          </ac:spMkLst>
+        </pc:spChg>
+        <pc:spChg chg="mod">
+          <ac:chgData name="See Eric" userId="5c1fa3cd-2257-48a3-9d59-f98c697e9c01" providerId="ADAL" clId="{74B47E41-A967-4FFF-97FC-293B03D3444E}" dt="2024-01-19T06:29:12.635" v="229" actId="14100"/>
+          <ac:spMkLst>
+            <pc:docMk/>
+            <pc:sldMk cId="2794500971" sldId="273"/>
+            <ac:spMk id="8" creationId="{7E2A4192-8D29-5E10-63B2-282324EB45BD}"/>
+          </ac:spMkLst>
+        </pc:spChg>
+        <pc:spChg chg="mod">
+          <ac:chgData name="See Eric" userId="5c1fa3cd-2257-48a3-9d59-f98c697e9c01" providerId="ADAL" clId="{74B47E41-A967-4FFF-97FC-293B03D3444E}" dt="2024-01-19T06:31:01.178" v="263" actId="1076"/>
+          <ac:spMkLst>
+            <pc:docMk/>
+            <pc:sldMk cId="2794500971" sldId="273"/>
+            <ac:spMk id="9" creationId="{5904722D-9645-6277-7D58-D29553F1D7DB}"/>
+          </ac:spMkLst>
+        </pc:spChg>
+        <pc:spChg chg="mod">
+          <ac:chgData name="See Eric" userId="5c1fa3cd-2257-48a3-9d59-f98c697e9c01" providerId="ADAL" clId="{74B47E41-A967-4FFF-97FC-293B03D3444E}" dt="2024-01-19T06:30:18.924" v="245" actId="20577"/>
+          <ac:spMkLst>
+            <pc:docMk/>
+            <pc:sldMk cId="2794500971" sldId="273"/>
+            <ac:spMk id="13" creationId="{E092A28F-30CD-9726-2EC7-018580651ECC}"/>
+          </ac:spMkLst>
+        </pc:spChg>
+        <pc:spChg chg="del mod">
+          <ac:chgData name="See Eric" userId="5c1fa3cd-2257-48a3-9d59-f98c697e9c01" providerId="ADAL" clId="{74B47E41-A967-4FFF-97FC-293B03D3444E}" dt="2024-01-19T06:28:22.651" v="193" actId="478"/>
+          <ac:spMkLst>
+            <pc:docMk/>
+            <pc:sldMk cId="2794500971" sldId="273"/>
+            <ac:spMk id="14" creationId="{8C4BA116-45E4-15D5-755D-CCDB33F15940}"/>
+          </ac:spMkLst>
+        </pc:spChg>
+        <pc:spChg chg="mod">
+          <ac:chgData name="See Eric" userId="5c1fa3cd-2257-48a3-9d59-f98c697e9c01" providerId="ADAL" clId="{74B47E41-A967-4FFF-97FC-293B03D3444E}" dt="2024-01-19T06:30:10.426" v="240" actId="1076"/>
+          <ac:spMkLst>
+            <pc:docMk/>
+            <pc:sldMk cId="2794500971" sldId="273"/>
+            <ac:spMk id="15" creationId="{3A14EB10-56A8-37EB-EA2C-FAB61DE84170}"/>
+          </ac:spMkLst>
+        </pc:spChg>
+        <pc:spChg chg="mod">
+          <ac:chgData name="See Eric" userId="5c1fa3cd-2257-48a3-9d59-f98c697e9c01" providerId="ADAL" clId="{74B47E41-A967-4FFF-97FC-293B03D3444E}" dt="2024-01-19T06:30:23.334" v="257" actId="20577"/>
+          <ac:spMkLst>
+            <pc:docMk/>
+            <pc:sldMk cId="2794500971" sldId="273"/>
+            <ac:spMk id="16" creationId="{973203AF-BB33-CE22-197C-A65D7537DA4C}"/>
+          </ac:spMkLst>
+        </pc:spChg>
+        <pc:spChg chg="mod ord">
+          <ac:chgData name="See Eric" userId="5c1fa3cd-2257-48a3-9d59-f98c697e9c01" providerId="ADAL" clId="{74B47E41-A967-4FFF-97FC-293B03D3444E}" dt="2024-01-19T06:32:42.864" v="295" actId="207"/>
+          <ac:spMkLst>
+            <pc:docMk/>
+            <pc:sldMk cId="2794500971" sldId="273"/>
+            <ac:spMk id="17" creationId="{BF826205-0E96-AD7A-0F8A-9D90A9BC54BF}"/>
+          </ac:spMkLst>
+        </pc:spChg>
+        <pc:picChg chg="add mod">
+          <ac:chgData name="See Eric" userId="5c1fa3cd-2257-48a3-9d59-f98c697e9c01" providerId="ADAL" clId="{74B47E41-A967-4FFF-97FC-293B03D3444E}" dt="2024-01-19T06:31:17.619" v="279" actId="1076"/>
+          <ac:picMkLst>
+            <pc:docMk/>
+            <pc:sldMk cId="2794500971" sldId="273"/>
+            <ac:picMk id="1026" creationId="{C9386666-F116-B2C9-CEA2-02E4813D0CC1}"/>
+          </ac:picMkLst>
+        </pc:picChg>
+        <pc:cxnChg chg="mod">
+          <ac:chgData name="See Eric" userId="5c1fa3cd-2257-48a3-9d59-f98c697e9c01" providerId="ADAL" clId="{74B47E41-A967-4FFF-97FC-293B03D3444E}" dt="2024-01-19T06:28:12.714" v="187" actId="1076"/>
+          <ac:cxnSpMkLst>
+            <pc:docMk/>
+            <pc:sldMk cId="2794500971" sldId="273"/>
+            <ac:cxnSpMk id="20" creationId="{AA6910B3-6A9D-CB02-0B5D-226549CEDA25}"/>
+          </ac:cxnSpMkLst>
+        </pc:cxnChg>
+        <pc:cxnChg chg="add del mod">
+          <ac:chgData name="See Eric" userId="5c1fa3cd-2257-48a3-9d59-f98c697e9c01" providerId="ADAL" clId="{74B47E41-A967-4FFF-97FC-293B03D3444E}" dt="2024-01-19T06:29:58.320" v="236" actId="478"/>
+          <ac:cxnSpMkLst>
+            <pc:docMk/>
+            <pc:sldMk cId="2794500971" sldId="273"/>
+            <ac:cxnSpMk id="21" creationId="{D914D2BB-8F54-B19D-289E-7060B58C7BA1}"/>
+          </ac:cxnSpMkLst>
+        </pc:cxnChg>
+        <pc:cxnChg chg="add mod">
+          <ac:chgData name="See Eric" userId="5c1fa3cd-2257-48a3-9d59-f98c697e9c01" providerId="ADAL" clId="{74B47E41-A967-4FFF-97FC-293B03D3444E}" dt="2024-01-19T06:30:12.594" v="241" actId="14100"/>
+          <ac:cxnSpMkLst>
+            <pc:docMk/>
+            <pc:sldMk cId="2794500971" sldId="273"/>
+            <ac:cxnSpMk id="24" creationId="{36259ABE-9A01-9AD3-94C8-3E2EC1C619A9}"/>
+          </ac:cxnSpMkLst>
+        </pc:cxnChg>
+        <pc:cxnChg chg="add mod">
+          <ac:chgData name="See Eric" userId="5c1fa3cd-2257-48a3-9d59-f98c697e9c01" providerId="ADAL" clId="{74B47E41-A967-4FFF-97FC-293B03D3444E}" dt="2024-01-19T06:30:10.426" v="240" actId="1076"/>
+          <ac:cxnSpMkLst>
+            <pc:docMk/>
+            <pc:sldMk cId="2794500971" sldId="273"/>
+            <ac:cxnSpMk id="26" creationId="{44A657AC-C1CF-E86C-2176-D6893B15C542}"/>
+          </ac:cxnSpMkLst>
+        </pc:cxnChg>
+        <pc:cxnChg chg="add mod">
+          <ac:chgData name="See Eric" userId="5c1fa3cd-2257-48a3-9d59-f98c697e9c01" providerId="ADAL" clId="{74B47E41-A967-4FFF-97FC-293B03D3444E}" dt="2024-01-19T06:30:10.426" v="240" actId="1076"/>
+          <ac:cxnSpMkLst>
+            <pc:docMk/>
+            <pc:sldMk cId="2794500971" sldId="273"/>
+            <ac:cxnSpMk id="36" creationId="{B97CB2CE-87E9-0888-17DE-02B4ADD3E6D4}"/>
+          </ac:cxnSpMkLst>
+        </pc:cxnChg>
+        <pc:cxnChg chg="add mod">
+          <ac:chgData name="See Eric" userId="5c1fa3cd-2257-48a3-9d59-f98c697e9c01" providerId="ADAL" clId="{74B47E41-A967-4FFF-97FC-293B03D3444E}" dt="2024-01-19T06:31:17.619" v="279" actId="1076"/>
+          <ac:cxnSpMkLst>
+            <pc:docMk/>
+            <pc:sldMk cId="2794500971" sldId="273"/>
+            <ac:cxnSpMk id="41" creationId="{C5774D1D-88F1-AF85-D14F-C70745F8C17E}"/>
+          </ac:cxnSpMkLst>
+        </pc:cxnChg>
+      </pc:sldChg>
+    </pc:docChg>
+  </pc:docChgLst>
+</pc:chgInfo>
 </file>
 
 <file path=ppt/slideLayouts/slideLayout1.xml><?xml version="1.0" encoding="utf-8"?>
@@ -3406,7 +3776,10 @@
           <a:bodyPr/>
           <a:lstStyle/>
           <a:p>
-            <a:endParaRPr lang="en-SG"/>
+            <a:r>
+              <a:rPr lang="en-SG" dirty="0"/>
+              <a:t>AWS</a:t>
+            </a:r>
           </a:p>
         </p:txBody>
       </p:sp>
@@ -4023,6 +4396,1942 @@
     <p:extLst>
       <p:ext uri="{BB962C8B-B14F-4D97-AF65-F5344CB8AC3E}">
         <p14:creationId xmlns:p14="http://schemas.microsoft.com/office/powerpoint/2010/main" val="2687779846"/>
+      </p:ext>
+    </p:extLst>
+  </p:cSld>
+  <p:clrMapOvr>
+    <a:masterClrMapping/>
+  </p:clrMapOvr>
+</p:sld>
+</file>
+
+<file path=ppt/slides/slide17.xml><?xml version="1.0" encoding="utf-8"?>
+<p:sld xmlns:a="http://schemas.openxmlformats.org/drawingml/2006/main" xmlns:r="http://schemas.openxmlformats.org/officeDocument/2006/relationships" xmlns:p="http://schemas.openxmlformats.org/presentationml/2006/main">
+  <p:cSld>
+    <p:spTree>
+      <p:nvGrpSpPr>
+        <p:cNvPr id="1" name=""/>
+        <p:cNvGrpSpPr/>
+        <p:nvPr/>
+      </p:nvGrpSpPr>
+      <p:grpSpPr>
+        <a:xfrm>
+          <a:off x="0" y="0"/>
+          <a:ext cx="0" cy="0"/>
+          <a:chOff x="0" y="0"/>
+          <a:chExt cx="0" cy="0"/>
+        </a:xfrm>
+      </p:grpSpPr>
+      <p:sp>
+        <p:nvSpPr>
+          <p:cNvPr id="17" name="Rectangle 16">
+            <a:extLst>
+              <a:ext uri="{FF2B5EF4-FFF2-40B4-BE49-F238E27FC236}">
+                <a16:creationId xmlns:a16="http://schemas.microsoft.com/office/drawing/2014/main" id="{BF826205-0E96-AD7A-0F8A-9D90A9BC54BF}"/>
+              </a:ext>
+            </a:extLst>
+          </p:cNvPr>
+          <p:cNvSpPr/>
+          <p:nvPr/>
+        </p:nvSpPr>
+        <p:spPr>
+          <a:xfrm>
+            <a:off x="2712720" y="1897539"/>
+            <a:ext cx="5354320" cy="3812381"/>
+          </a:xfrm>
+          <a:prstGeom prst="rect">
+            <a:avLst/>
+          </a:prstGeom>
+          <a:solidFill>
+            <a:schemeClr val="accent1">
+              <a:lumMod val="20000"/>
+              <a:lumOff val="80000"/>
+            </a:schemeClr>
+          </a:solidFill>
+        </p:spPr>
+        <p:style>
+          <a:lnRef idx="2">
+            <a:schemeClr val="accent1">
+              <a:shade val="15000"/>
+            </a:schemeClr>
+          </a:lnRef>
+          <a:fillRef idx="1">
+            <a:schemeClr val="accent1"/>
+          </a:fillRef>
+          <a:effectRef idx="0">
+            <a:schemeClr val="accent1"/>
+          </a:effectRef>
+          <a:fontRef idx="minor">
+            <a:schemeClr val="lt1"/>
+          </a:fontRef>
+        </p:style>
+        <p:txBody>
+          <a:bodyPr rtlCol="0" anchor="ctr"/>
+          <a:lstStyle/>
+          <a:p>
+            <a:pPr algn="ctr"/>
+            <a:endParaRPr lang="en-SG"/>
+          </a:p>
+        </p:txBody>
+      </p:sp>
+      <p:sp>
+        <p:nvSpPr>
+          <p:cNvPr id="2" name="Title 1">
+            <a:extLst>
+              <a:ext uri="{FF2B5EF4-FFF2-40B4-BE49-F238E27FC236}">
+                <a16:creationId xmlns:a16="http://schemas.microsoft.com/office/drawing/2014/main" id="{39BC1BE8-4D55-8546-EF2F-CCD4524D72CD}"/>
+              </a:ext>
+            </a:extLst>
+          </p:cNvPr>
+          <p:cNvSpPr>
+            <a:spLocks noGrp="1"/>
+          </p:cNvSpPr>
+          <p:nvPr>
+            <p:ph type="title"/>
+          </p:nvPr>
+        </p:nvSpPr>
+        <p:spPr/>
+        <p:txBody>
+          <a:bodyPr/>
+          <a:lstStyle/>
+          <a:p>
+            <a:r>
+              <a:rPr lang="en-SG" dirty="0"/>
+              <a:t>Simple Setup</a:t>
+            </a:r>
+          </a:p>
+        </p:txBody>
+      </p:sp>
+      <p:sp>
+        <p:nvSpPr>
+          <p:cNvPr id="4" name="Rectangle: Rounded Corners 3">
+            <a:extLst>
+              <a:ext uri="{FF2B5EF4-FFF2-40B4-BE49-F238E27FC236}">
+                <a16:creationId xmlns:a16="http://schemas.microsoft.com/office/drawing/2014/main" id="{60DE79D7-7E4B-38BC-8F39-902F8E7CE4B7}"/>
+              </a:ext>
+            </a:extLst>
+          </p:cNvPr>
+          <p:cNvSpPr/>
+          <p:nvPr/>
+        </p:nvSpPr>
+        <p:spPr>
+          <a:xfrm>
+            <a:off x="1212850" y="3381216"/>
+            <a:ext cx="822960" cy="629920"/>
+          </a:xfrm>
+          <a:prstGeom prst="roundRect">
+            <a:avLst/>
+          </a:prstGeom>
+        </p:spPr>
+        <p:style>
+          <a:lnRef idx="2">
+            <a:schemeClr val="accent1">
+              <a:shade val="15000"/>
+            </a:schemeClr>
+          </a:lnRef>
+          <a:fillRef idx="1">
+            <a:schemeClr val="accent1"/>
+          </a:fillRef>
+          <a:effectRef idx="0">
+            <a:schemeClr val="accent1"/>
+          </a:effectRef>
+          <a:fontRef idx="minor">
+            <a:schemeClr val="lt1"/>
+          </a:fontRef>
+        </p:style>
+        <p:txBody>
+          <a:bodyPr rtlCol="0" anchor="ctr"/>
+          <a:lstStyle/>
+          <a:p>
+            <a:pPr algn="ctr"/>
+            <a:r>
+              <a:rPr lang="en-SG" dirty="0"/>
+              <a:t>ALB</a:t>
+            </a:r>
+          </a:p>
+        </p:txBody>
+      </p:sp>
+      <p:sp>
+        <p:nvSpPr>
+          <p:cNvPr id="5" name="Rectangle: Rounded Corners 4">
+            <a:extLst>
+              <a:ext uri="{FF2B5EF4-FFF2-40B4-BE49-F238E27FC236}">
+                <a16:creationId xmlns:a16="http://schemas.microsoft.com/office/drawing/2014/main" id="{2B817390-D34A-2121-0C8E-1A2B4BD717A0}"/>
+              </a:ext>
+            </a:extLst>
+          </p:cNvPr>
+          <p:cNvSpPr/>
+          <p:nvPr/>
+        </p:nvSpPr>
+        <p:spPr>
+          <a:xfrm>
+            <a:off x="3464560" y="3381216"/>
+            <a:ext cx="1041400" cy="629920"/>
+          </a:xfrm>
+          <a:prstGeom prst="roundRect">
+            <a:avLst/>
+          </a:prstGeom>
+        </p:spPr>
+        <p:style>
+          <a:lnRef idx="2">
+            <a:schemeClr val="accent1">
+              <a:shade val="15000"/>
+            </a:schemeClr>
+          </a:lnRef>
+          <a:fillRef idx="1">
+            <a:schemeClr val="accent1"/>
+          </a:fillRef>
+          <a:effectRef idx="0">
+            <a:schemeClr val="accent1"/>
+          </a:effectRef>
+          <a:fontRef idx="minor">
+            <a:schemeClr val="lt1"/>
+          </a:fontRef>
+        </p:style>
+        <p:txBody>
+          <a:bodyPr rtlCol="0" anchor="ctr"/>
+          <a:lstStyle/>
+          <a:p>
+            <a:pPr algn="ctr"/>
+            <a:r>
+              <a:rPr lang="en-SG" dirty="0"/>
+              <a:t>Ingress</a:t>
+            </a:r>
+          </a:p>
+        </p:txBody>
+      </p:sp>
+      <p:sp>
+        <p:nvSpPr>
+          <p:cNvPr id="6" name="Rectangle 5">
+            <a:extLst>
+              <a:ext uri="{FF2B5EF4-FFF2-40B4-BE49-F238E27FC236}">
+                <a16:creationId xmlns:a16="http://schemas.microsoft.com/office/drawing/2014/main" id="{5A20D77C-E992-5FF1-CEB2-981DAA6AC90A}"/>
+              </a:ext>
+            </a:extLst>
+          </p:cNvPr>
+          <p:cNvSpPr/>
+          <p:nvPr/>
+        </p:nvSpPr>
+        <p:spPr>
+          <a:xfrm>
+            <a:off x="3180080" y="2296160"/>
+            <a:ext cx="2631440" cy="3088640"/>
+          </a:xfrm>
+          <a:prstGeom prst="rect">
+            <a:avLst/>
+          </a:prstGeom>
+          <a:noFill/>
+        </p:spPr>
+        <p:style>
+          <a:lnRef idx="2">
+            <a:schemeClr val="accent1">
+              <a:shade val="15000"/>
+            </a:schemeClr>
+          </a:lnRef>
+          <a:fillRef idx="1">
+            <a:schemeClr val="accent1"/>
+          </a:fillRef>
+          <a:effectRef idx="0">
+            <a:schemeClr val="accent1"/>
+          </a:effectRef>
+          <a:fontRef idx="minor">
+            <a:schemeClr val="lt1"/>
+          </a:fontRef>
+        </p:style>
+        <p:txBody>
+          <a:bodyPr rtlCol="0" anchor="ctr"/>
+          <a:lstStyle/>
+          <a:p>
+            <a:pPr algn="ctr"/>
+            <a:endParaRPr lang="en-SG"/>
+          </a:p>
+        </p:txBody>
+      </p:sp>
+      <p:sp>
+        <p:nvSpPr>
+          <p:cNvPr id="7" name="TextBox 6">
+            <a:extLst>
+              <a:ext uri="{FF2B5EF4-FFF2-40B4-BE49-F238E27FC236}">
+                <a16:creationId xmlns:a16="http://schemas.microsoft.com/office/drawing/2014/main" id="{4FC3C9A1-2677-A54E-83B1-0FF956C8F14E}"/>
+              </a:ext>
+            </a:extLst>
+          </p:cNvPr>
+          <p:cNvSpPr txBox="1"/>
+          <p:nvPr/>
+        </p:nvSpPr>
+        <p:spPr>
+          <a:xfrm>
+            <a:off x="3517900" y="5019040"/>
+            <a:ext cx="1127760" cy="365760"/>
+          </a:xfrm>
+          <a:prstGeom prst="rect">
+            <a:avLst/>
+          </a:prstGeom>
+          <a:noFill/>
+        </p:spPr>
+        <p:txBody>
+          <a:bodyPr wrap="square" rtlCol="0">
+            <a:spAutoFit/>
+          </a:bodyPr>
+          <a:lstStyle/>
+          <a:p>
+            <a:r>
+              <a:rPr lang="en-SG" b="1" dirty="0" err="1"/>
+              <a:t>ms</a:t>
+            </a:r>
+            <a:r>
+              <a:rPr lang="en-SG" b="1" dirty="0"/>
+              <a:t>-layer</a:t>
+            </a:r>
+          </a:p>
+        </p:txBody>
+      </p:sp>
+      <p:sp>
+        <p:nvSpPr>
+          <p:cNvPr id="8" name="Rectangle 7">
+            <a:extLst>
+              <a:ext uri="{FF2B5EF4-FFF2-40B4-BE49-F238E27FC236}">
+                <a16:creationId xmlns:a16="http://schemas.microsoft.com/office/drawing/2014/main" id="{7E2A4192-8D29-5E10-63B2-282324EB45BD}"/>
+              </a:ext>
+            </a:extLst>
+          </p:cNvPr>
+          <p:cNvSpPr/>
+          <p:nvPr/>
+        </p:nvSpPr>
+        <p:spPr>
+          <a:xfrm>
+            <a:off x="6004560" y="2296160"/>
+            <a:ext cx="1717040" cy="3088640"/>
+          </a:xfrm>
+          <a:prstGeom prst="rect">
+            <a:avLst/>
+          </a:prstGeom>
+          <a:noFill/>
+        </p:spPr>
+        <p:style>
+          <a:lnRef idx="2">
+            <a:schemeClr val="accent1">
+              <a:shade val="15000"/>
+            </a:schemeClr>
+          </a:lnRef>
+          <a:fillRef idx="1">
+            <a:schemeClr val="accent1"/>
+          </a:fillRef>
+          <a:effectRef idx="0">
+            <a:schemeClr val="accent1"/>
+          </a:effectRef>
+          <a:fontRef idx="minor">
+            <a:schemeClr val="lt1"/>
+          </a:fontRef>
+        </p:style>
+        <p:txBody>
+          <a:bodyPr rtlCol="0" anchor="ctr"/>
+          <a:lstStyle/>
+          <a:p>
+            <a:pPr algn="ctr"/>
+            <a:endParaRPr lang="en-SG"/>
+          </a:p>
+        </p:txBody>
+      </p:sp>
+      <p:sp>
+        <p:nvSpPr>
+          <p:cNvPr id="9" name="TextBox 8">
+            <a:extLst>
+              <a:ext uri="{FF2B5EF4-FFF2-40B4-BE49-F238E27FC236}">
+                <a16:creationId xmlns:a16="http://schemas.microsoft.com/office/drawing/2014/main" id="{5904722D-9645-6277-7D58-D29553F1D7DB}"/>
+              </a:ext>
+            </a:extLst>
+          </p:cNvPr>
+          <p:cNvSpPr txBox="1"/>
+          <p:nvPr/>
+        </p:nvSpPr>
+        <p:spPr>
+          <a:xfrm>
+            <a:off x="6004560" y="5019040"/>
+            <a:ext cx="1717040" cy="369332"/>
+          </a:xfrm>
+          <a:prstGeom prst="rect">
+            <a:avLst/>
+          </a:prstGeom>
+          <a:noFill/>
+        </p:spPr>
+        <p:txBody>
+          <a:bodyPr wrap="square" rtlCol="0">
+            <a:spAutoFit/>
+          </a:bodyPr>
+          <a:lstStyle/>
+          <a:p>
+            <a:r>
+              <a:rPr lang="en-SG" b="1" dirty="0"/>
+              <a:t>common-utils</a:t>
+            </a:r>
+          </a:p>
+        </p:txBody>
+      </p:sp>
+      <p:sp>
+        <p:nvSpPr>
+          <p:cNvPr id="10" name="Rectangle: Rounded Corners 9">
+            <a:extLst>
+              <a:ext uri="{FF2B5EF4-FFF2-40B4-BE49-F238E27FC236}">
+                <a16:creationId xmlns:a16="http://schemas.microsoft.com/office/drawing/2014/main" id="{FA4E9B48-03CD-AF19-A76E-8D8617C34DB4}"/>
+              </a:ext>
+            </a:extLst>
+          </p:cNvPr>
+          <p:cNvSpPr/>
+          <p:nvPr/>
+        </p:nvSpPr>
+        <p:spPr>
+          <a:xfrm>
+            <a:off x="6342380" y="2672080"/>
+            <a:ext cx="1186180" cy="629920"/>
+          </a:xfrm>
+          <a:prstGeom prst="roundRect">
+            <a:avLst/>
+          </a:prstGeom>
+        </p:spPr>
+        <p:style>
+          <a:lnRef idx="2">
+            <a:schemeClr val="accent1">
+              <a:shade val="15000"/>
+            </a:schemeClr>
+          </a:lnRef>
+          <a:fillRef idx="1">
+            <a:schemeClr val="accent1"/>
+          </a:fillRef>
+          <a:effectRef idx="0">
+            <a:schemeClr val="accent1"/>
+          </a:effectRef>
+          <a:fontRef idx="minor">
+            <a:schemeClr val="lt1"/>
+          </a:fontRef>
+        </p:style>
+        <p:txBody>
+          <a:bodyPr rtlCol="0" anchor="ctr"/>
+          <a:lstStyle/>
+          <a:p>
+            <a:pPr algn="ctr"/>
+            <a:r>
+              <a:rPr lang="en-SG" dirty="0" err="1"/>
+              <a:t>rabbitmq</a:t>
+            </a:r>
+            <a:endParaRPr lang="en-SG" dirty="0"/>
+          </a:p>
+        </p:txBody>
+      </p:sp>
+      <p:sp>
+        <p:nvSpPr>
+          <p:cNvPr id="11" name="Rectangle: Rounded Corners 10">
+            <a:extLst>
+              <a:ext uri="{FF2B5EF4-FFF2-40B4-BE49-F238E27FC236}">
+                <a16:creationId xmlns:a16="http://schemas.microsoft.com/office/drawing/2014/main" id="{9579CD9A-ED41-E696-274D-35EE10091814}"/>
+              </a:ext>
+            </a:extLst>
+          </p:cNvPr>
+          <p:cNvSpPr/>
+          <p:nvPr/>
+        </p:nvSpPr>
+        <p:spPr>
+          <a:xfrm>
+            <a:off x="6342380" y="3449320"/>
+            <a:ext cx="1186180" cy="629920"/>
+          </a:xfrm>
+          <a:prstGeom prst="roundRect">
+            <a:avLst/>
+          </a:prstGeom>
+        </p:spPr>
+        <p:style>
+          <a:lnRef idx="2">
+            <a:schemeClr val="accent1">
+              <a:shade val="15000"/>
+            </a:schemeClr>
+          </a:lnRef>
+          <a:fillRef idx="1">
+            <a:schemeClr val="accent1"/>
+          </a:fillRef>
+          <a:effectRef idx="0">
+            <a:schemeClr val="accent1"/>
+          </a:effectRef>
+          <a:fontRef idx="minor">
+            <a:schemeClr val="lt1"/>
+          </a:fontRef>
+        </p:style>
+        <p:txBody>
+          <a:bodyPr rtlCol="0" anchor="ctr"/>
+          <a:lstStyle/>
+          <a:p>
+            <a:pPr algn="ctr"/>
+            <a:r>
+              <a:rPr lang="en-SG" dirty="0" err="1"/>
+              <a:t>postgres</a:t>
+            </a:r>
+            <a:endParaRPr lang="en-SG" dirty="0"/>
+          </a:p>
+        </p:txBody>
+      </p:sp>
+      <p:sp>
+        <p:nvSpPr>
+          <p:cNvPr id="12" name="Rectangle: Rounded Corners 11">
+            <a:extLst>
+              <a:ext uri="{FF2B5EF4-FFF2-40B4-BE49-F238E27FC236}">
+                <a16:creationId xmlns:a16="http://schemas.microsoft.com/office/drawing/2014/main" id="{21F24CF8-CD16-A47D-76A2-ADCA2F390EB8}"/>
+              </a:ext>
+            </a:extLst>
+          </p:cNvPr>
+          <p:cNvSpPr/>
+          <p:nvPr/>
+        </p:nvSpPr>
+        <p:spPr>
+          <a:xfrm>
+            <a:off x="6342380" y="4241800"/>
+            <a:ext cx="1186180" cy="629920"/>
+          </a:xfrm>
+          <a:prstGeom prst="roundRect">
+            <a:avLst/>
+          </a:prstGeom>
+        </p:spPr>
+        <p:style>
+          <a:lnRef idx="2">
+            <a:schemeClr val="accent1">
+              <a:shade val="15000"/>
+            </a:schemeClr>
+          </a:lnRef>
+          <a:fillRef idx="1">
+            <a:schemeClr val="accent1"/>
+          </a:fillRef>
+          <a:effectRef idx="0">
+            <a:schemeClr val="accent1"/>
+          </a:effectRef>
+          <a:fontRef idx="minor">
+            <a:schemeClr val="lt1"/>
+          </a:fontRef>
+        </p:style>
+        <p:txBody>
+          <a:bodyPr rtlCol="0" anchor="ctr"/>
+          <a:lstStyle/>
+          <a:p>
+            <a:pPr algn="ctr"/>
+            <a:r>
+              <a:rPr lang="en-SG" dirty="0" err="1"/>
+              <a:t>pgadmin</a:t>
+            </a:r>
+            <a:endParaRPr lang="en-SG" dirty="0"/>
+          </a:p>
+        </p:txBody>
+      </p:sp>
+      <p:sp>
+        <p:nvSpPr>
+          <p:cNvPr id="13" name="Rectangle: Rounded Corners 12">
+            <a:extLst>
+              <a:ext uri="{FF2B5EF4-FFF2-40B4-BE49-F238E27FC236}">
+                <a16:creationId xmlns:a16="http://schemas.microsoft.com/office/drawing/2014/main" id="{E092A28F-30CD-9726-2EC7-018580651ECC}"/>
+              </a:ext>
+            </a:extLst>
+          </p:cNvPr>
+          <p:cNvSpPr/>
+          <p:nvPr/>
+        </p:nvSpPr>
+        <p:spPr>
+          <a:xfrm>
+            <a:off x="3464560" y="4200128"/>
+            <a:ext cx="1041400" cy="629920"/>
+          </a:xfrm>
+          <a:prstGeom prst="roundRect">
+            <a:avLst/>
+          </a:prstGeom>
+        </p:spPr>
+        <p:style>
+          <a:lnRef idx="2">
+            <a:schemeClr val="accent1">
+              <a:shade val="15000"/>
+            </a:schemeClr>
+          </a:lnRef>
+          <a:fillRef idx="1">
+            <a:schemeClr val="accent1"/>
+          </a:fillRef>
+          <a:effectRef idx="0">
+            <a:schemeClr val="accent1"/>
+          </a:effectRef>
+          <a:fontRef idx="minor">
+            <a:schemeClr val="lt1"/>
+          </a:fontRef>
+        </p:style>
+        <p:txBody>
+          <a:bodyPr rtlCol="0" anchor="ctr"/>
+          <a:lstStyle/>
+          <a:p>
+            <a:pPr algn="ctr"/>
+            <a:r>
+              <a:rPr lang="en-SG" dirty="0"/>
+              <a:t>user</a:t>
+            </a:r>
+          </a:p>
+        </p:txBody>
+      </p:sp>
+      <p:sp>
+        <p:nvSpPr>
+          <p:cNvPr id="14" name="Rectangle: Rounded Corners 13">
+            <a:extLst>
+              <a:ext uri="{FF2B5EF4-FFF2-40B4-BE49-F238E27FC236}">
+                <a16:creationId xmlns:a16="http://schemas.microsoft.com/office/drawing/2014/main" id="{8C4BA116-45E4-15D5-755D-CCDB33F15940}"/>
+              </a:ext>
+            </a:extLst>
+          </p:cNvPr>
+          <p:cNvSpPr/>
+          <p:nvPr/>
+        </p:nvSpPr>
+        <p:spPr>
+          <a:xfrm>
+            <a:off x="3454400" y="2531904"/>
+            <a:ext cx="1041400" cy="629920"/>
+          </a:xfrm>
+          <a:prstGeom prst="roundRect">
+            <a:avLst/>
+          </a:prstGeom>
+        </p:spPr>
+        <p:style>
+          <a:lnRef idx="2">
+            <a:schemeClr val="accent1">
+              <a:shade val="15000"/>
+            </a:schemeClr>
+          </a:lnRef>
+          <a:fillRef idx="1">
+            <a:schemeClr val="accent1"/>
+          </a:fillRef>
+          <a:effectRef idx="0">
+            <a:schemeClr val="accent1"/>
+          </a:effectRef>
+          <a:fontRef idx="minor">
+            <a:schemeClr val="lt1"/>
+          </a:fontRef>
+        </p:style>
+        <p:txBody>
+          <a:bodyPr rtlCol="0" anchor="ctr"/>
+          <a:lstStyle/>
+          <a:p>
+            <a:pPr algn="ctr"/>
+            <a:r>
+              <a:rPr lang="en-SG" dirty="0"/>
+              <a:t>notification</a:t>
+            </a:r>
+          </a:p>
+        </p:txBody>
+      </p:sp>
+      <p:sp>
+        <p:nvSpPr>
+          <p:cNvPr id="15" name="Rectangle: Rounded Corners 14">
+            <a:extLst>
+              <a:ext uri="{FF2B5EF4-FFF2-40B4-BE49-F238E27FC236}">
+                <a16:creationId xmlns:a16="http://schemas.microsoft.com/office/drawing/2014/main" id="{3A14EB10-56A8-37EB-EA2C-FAB61DE84170}"/>
+              </a:ext>
+            </a:extLst>
+          </p:cNvPr>
+          <p:cNvSpPr/>
+          <p:nvPr/>
+        </p:nvSpPr>
+        <p:spPr>
+          <a:xfrm>
+            <a:off x="4645660" y="2987040"/>
+            <a:ext cx="1041400" cy="629920"/>
+          </a:xfrm>
+          <a:prstGeom prst="roundRect">
+            <a:avLst/>
+          </a:prstGeom>
+        </p:spPr>
+        <p:style>
+          <a:lnRef idx="2">
+            <a:schemeClr val="accent1">
+              <a:shade val="15000"/>
+            </a:schemeClr>
+          </a:lnRef>
+          <a:fillRef idx="1">
+            <a:schemeClr val="accent1"/>
+          </a:fillRef>
+          <a:effectRef idx="0">
+            <a:schemeClr val="accent1"/>
+          </a:effectRef>
+          <a:fontRef idx="minor">
+            <a:schemeClr val="lt1"/>
+          </a:fontRef>
+        </p:style>
+        <p:txBody>
+          <a:bodyPr rtlCol="0" anchor="ctr"/>
+          <a:lstStyle/>
+          <a:p>
+            <a:pPr algn="ctr"/>
+            <a:r>
+              <a:rPr lang="en-SG" dirty="0" err="1"/>
+              <a:t>helloworld</a:t>
+            </a:r>
+            <a:endParaRPr lang="en-SG" dirty="0"/>
+          </a:p>
+        </p:txBody>
+      </p:sp>
+      <p:sp>
+        <p:nvSpPr>
+          <p:cNvPr id="16" name="Rectangle: Rounded Corners 15">
+            <a:extLst>
+              <a:ext uri="{FF2B5EF4-FFF2-40B4-BE49-F238E27FC236}">
+                <a16:creationId xmlns:a16="http://schemas.microsoft.com/office/drawing/2014/main" id="{973203AF-BB33-CE22-197C-A65D7537DA4C}"/>
+              </a:ext>
+            </a:extLst>
+          </p:cNvPr>
+          <p:cNvSpPr/>
+          <p:nvPr/>
+        </p:nvSpPr>
+        <p:spPr>
+          <a:xfrm>
+            <a:off x="4664710" y="3840480"/>
+            <a:ext cx="1041400" cy="629920"/>
+          </a:xfrm>
+          <a:prstGeom prst="roundRect">
+            <a:avLst/>
+          </a:prstGeom>
+        </p:spPr>
+        <p:style>
+          <a:lnRef idx="2">
+            <a:schemeClr val="accent1">
+              <a:shade val="15000"/>
+            </a:schemeClr>
+          </a:lnRef>
+          <a:fillRef idx="1">
+            <a:schemeClr val="accent1"/>
+          </a:fillRef>
+          <a:effectRef idx="0">
+            <a:schemeClr val="accent1"/>
+          </a:effectRef>
+          <a:fontRef idx="minor">
+            <a:schemeClr val="lt1"/>
+          </a:fontRef>
+        </p:style>
+        <p:txBody>
+          <a:bodyPr rtlCol="0" anchor="ctr"/>
+          <a:lstStyle/>
+          <a:p>
+            <a:pPr algn="ctr"/>
+            <a:r>
+              <a:rPr lang="en-SG" dirty="0" err="1"/>
+              <a:t>sillyworld</a:t>
+            </a:r>
+            <a:endParaRPr lang="en-SG" dirty="0"/>
+          </a:p>
+        </p:txBody>
+      </p:sp>
+      <p:sp>
+        <p:nvSpPr>
+          <p:cNvPr id="18" name="TextBox 17">
+            <a:extLst>
+              <a:ext uri="{FF2B5EF4-FFF2-40B4-BE49-F238E27FC236}">
+                <a16:creationId xmlns:a16="http://schemas.microsoft.com/office/drawing/2014/main" id="{EF7984BD-FC6B-1C56-6DE9-5848AC6EC645}"/>
+              </a:ext>
+            </a:extLst>
+          </p:cNvPr>
+          <p:cNvSpPr txBox="1"/>
+          <p:nvPr/>
+        </p:nvSpPr>
+        <p:spPr>
+          <a:xfrm>
+            <a:off x="6663690" y="5360908"/>
+            <a:ext cx="2115820" cy="369332"/>
+          </a:xfrm>
+          <a:prstGeom prst="rect">
+            <a:avLst/>
+          </a:prstGeom>
+          <a:noFill/>
+        </p:spPr>
+        <p:txBody>
+          <a:bodyPr wrap="square" rtlCol="0">
+            <a:spAutoFit/>
+          </a:bodyPr>
+          <a:lstStyle/>
+          <a:p>
+            <a:r>
+              <a:rPr lang="en-SG" b="1" dirty="0"/>
+              <a:t>EKS cluster</a:t>
+            </a:r>
+          </a:p>
+        </p:txBody>
+      </p:sp>
+      <p:cxnSp>
+        <p:nvCxnSpPr>
+          <p:cNvPr id="20" name="Straight Arrow Connector 19">
+            <a:extLst>
+              <a:ext uri="{FF2B5EF4-FFF2-40B4-BE49-F238E27FC236}">
+                <a16:creationId xmlns:a16="http://schemas.microsoft.com/office/drawing/2014/main" id="{AA6910B3-6A9D-CB02-0B5D-226549CEDA25}"/>
+              </a:ext>
+            </a:extLst>
+          </p:cNvPr>
+          <p:cNvCxnSpPr>
+            <a:stCxn id="4" idx="3"/>
+            <a:endCxn id="5" idx="1"/>
+          </p:cNvCxnSpPr>
+          <p:nvPr/>
+        </p:nvCxnSpPr>
+        <p:spPr>
+          <a:xfrm>
+            <a:off x="2035810" y="3696176"/>
+            <a:ext cx="1428750" cy="0"/>
+          </a:xfrm>
+          <a:prstGeom prst="straightConnector1">
+            <a:avLst/>
+          </a:prstGeom>
+          <a:ln>
+            <a:tailEnd type="triangle"/>
+          </a:ln>
+        </p:spPr>
+        <p:style>
+          <a:lnRef idx="2">
+            <a:schemeClr val="accent1"/>
+          </a:lnRef>
+          <a:fillRef idx="0">
+            <a:schemeClr val="accent1"/>
+          </a:fillRef>
+          <a:effectRef idx="1">
+            <a:schemeClr val="accent1"/>
+          </a:effectRef>
+          <a:fontRef idx="minor">
+            <a:schemeClr val="tx1"/>
+          </a:fontRef>
+        </p:style>
+      </p:cxnSp>
+      <p:cxnSp>
+        <p:nvCxnSpPr>
+          <p:cNvPr id="28" name="Straight Arrow Connector 27">
+            <a:extLst>
+              <a:ext uri="{FF2B5EF4-FFF2-40B4-BE49-F238E27FC236}">
+                <a16:creationId xmlns:a16="http://schemas.microsoft.com/office/drawing/2014/main" id="{895BD3A0-5DFE-7E52-9706-23EB8E741408}"/>
+              </a:ext>
+            </a:extLst>
+          </p:cNvPr>
+          <p:cNvCxnSpPr>
+            <a:stCxn id="5" idx="2"/>
+            <a:endCxn id="13" idx="0"/>
+          </p:cNvCxnSpPr>
+          <p:nvPr/>
+        </p:nvCxnSpPr>
+        <p:spPr>
+          <a:xfrm>
+            <a:off x="3985260" y="4011136"/>
+            <a:ext cx="0" cy="188992"/>
+          </a:xfrm>
+          <a:prstGeom prst="straightConnector1">
+            <a:avLst/>
+          </a:prstGeom>
+          <a:ln>
+            <a:tailEnd type="triangle"/>
+          </a:ln>
+        </p:spPr>
+        <p:style>
+          <a:lnRef idx="2">
+            <a:schemeClr val="accent1"/>
+          </a:lnRef>
+          <a:fillRef idx="0">
+            <a:schemeClr val="accent1"/>
+          </a:fillRef>
+          <a:effectRef idx="1">
+            <a:schemeClr val="accent1"/>
+          </a:effectRef>
+          <a:fontRef idx="minor">
+            <a:schemeClr val="tx1"/>
+          </a:fontRef>
+        </p:style>
+      </p:cxnSp>
+      <p:cxnSp>
+        <p:nvCxnSpPr>
+          <p:cNvPr id="31" name="Straight Arrow Connector 30">
+            <a:extLst>
+              <a:ext uri="{FF2B5EF4-FFF2-40B4-BE49-F238E27FC236}">
+                <a16:creationId xmlns:a16="http://schemas.microsoft.com/office/drawing/2014/main" id="{8B9AC14D-2401-CEFC-D5A2-95A850A5BD35}"/>
+              </a:ext>
+            </a:extLst>
+          </p:cNvPr>
+          <p:cNvCxnSpPr>
+            <a:stCxn id="5" idx="0"/>
+            <a:endCxn id="14" idx="2"/>
+          </p:cNvCxnSpPr>
+          <p:nvPr/>
+        </p:nvCxnSpPr>
+        <p:spPr>
+          <a:xfrm flipH="1" flipV="1">
+            <a:off x="3975100" y="3161824"/>
+            <a:ext cx="10160" cy="219392"/>
+          </a:xfrm>
+          <a:prstGeom prst="straightConnector1">
+            <a:avLst/>
+          </a:prstGeom>
+          <a:ln>
+            <a:tailEnd type="triangle"/>
+          </a:ln>
+        </p:spPr>
+        <p:style>
+          <a:lnRef idx="2">
+            <a:schemeClr val="accent1"/>
+          </a:lnRef>
+          <a:fillRef idx="0">
+            <a:schemeClr val="accent1"/>
+          </a:fillRef>
+          <a:effectRef idx="1">
+            <a:schemeClr val="accent1"/>
+          </a:effectRef>
+          <a:fontRef idx="minor">
+            <a:schemeClr val="tx1"/>
+          </a:fontRef>
+        </p:style>
+      </p:cxnSp>
+      <p:cxnSp>
+        <p:nvCxnSpPr>
+          <p:cNvPr id="34" name="Straight Arrow Connector 33">
+            <a:extLst>
+              <a:ext uri="{FF2B5EF4-FFF2-40B4-BE49-F238E27FC236}">
+                <a16:creationId xmlns:a16="http://schemas.microsoft.com/office/drawing/2014/main" id="{0DD40EA8-6C68-B529-0F13-FA1F06BDDD0A}"/>
+              </a:ext>
+            </a:extLst>
+          </p:cNvPr>
+          <p:cNvCxnSpPr>
+            <a:stCxn id="5" idx="3"/>
+            <a:endCxn id="15" idx="1"/>
+          </p:cNvCxnSpPr>
+          <p:nvPr/>
+        </p:nvCxnSpPr>
+        <p:spPr>
+          <a:xfrm flipV="1">
+            <a:off x="4505960" y="3302000"/>
+            <a:ext cx="139700" cy="394176"/>
+          </a:xfrm>
+          <a:prstGeom prst="straightConnector1">
+            <a:avLst/>
+          </a:prstGeom>
+          <a:ln>
+            <a:tailEnd type="triangle"/>
+          </a:ln>
+        </p:spPr>
+        <p:style>
+          <a:lnRef idx="2">
+            <a:schemeClr val="accent1"/>
+          </a:lnRef>
+          <a:fillRef idx="0">
+            <a:schemeClr val="accent1"/>
+          </a:fillRef>
+          <a:effectRef idx="1">
+            <a:schemeClr val="accent1"/>
+          </a:effectRef>
+          <a:fontRef idx="minor">
+            <a:schemeClr val="tx1"/>
+          </a:fontRef>
+        </p:style>
+      </p:cxnSp>
+      <p:cxnSp>
+        <p:nvCxnSpPr>
+          <p:cNvPr id="36" name="Straight Arrow Connector 35">
+            <a:extLst>
+              <a:ext uri="{FF2B5EF4-FFF2-40B4-BE49-F238E27FC236}">
+                <a16:creationId xmlns:a16="http://schemas.microsoft.com/office/drawing/2014/main" id="{E2919DEC-C7E0-FD72-2F37-B54BAF8BFF33}"/>
+              </a:ext>
+            </a:extLst>
+          </p:cNvPr>
+          <p:cNvCxnSpPr>
+            <a:stCxn id="5" idx="3"/>
+            <a:endCxn id="16" idx="1"/>
+          </p:cNvCxnSpPr>
+          <p:nvPr/>
+        </p:nvCxnSpPr>
+        <p:spPr>
+          <a:xfrm>
+            <a:off x="4505960" y="3696176"/>
+            <a:ext cx="158750" cy="459264"/>
+          </a:xfrm>
+          <a:prstGeom prst="straightConnector1">
+            <a:avLst/>
+          </a:prstGeom>
+          <a:ln>
+            <a:tailEnd type="triangle"/>
+          </a:ln>
+        </p:spPr>
+        <p:style>
+          <a:lnRef idx="2">
+            <a:schemeClr val="accent1"/>
+          </a:lnRef>
+          <a:fillRef idx="0">
+            <a:schemeClr val="accent1"/>
+          </a:fillRef>
+          <a:effectRef idx="1">
+            <a:schemeClr val="accent1"/>
+          </a:effectRef>
+          <a:fontRef idx="minor">
+            <a:schemeClr val="tx1"/>
+          </a:fontRef>
+        </p:style>
+      </p:cxnSp>
+    </p:spTree>
+    <p:extLst>
+      <p:ext uri="{BB962C8B-B14F-4D97-AF65-F5344CB8AC3E}">
+        <p14:creationId xmlns:p14="http://schemas.microsoft.com/office/powerpoint/2010/main" val="2744303575"/>
+      </p:ext>
+    </p:extLst>
+  </p:cSld>
+  <p:clrMapOvr>
+    <a:masterClrMapping/>
+  </p:clrMapOvr>
+</p:sld>
+</file>
+
+<file path=ppt/slides/slide18.xml><?xml version="1.0" encoding="utf-8"?>
+<p:sld xmlns:a="http://schemas.openxmlformats.org/drawingml/2006/main" xmlns:r="http://schemas.openxmlformats.org/officeDocument/2006/relationships" xmlns:p="http://schemas.openxmlformats.org/presentationml/2006/main">
+  <p:cSld>
+    <p:spTree>
+      <p:nvGrpSpPr>
+        <p:cNvPr id="1" name=""/>
+        <p:cNvGrpSpPr/>
+        <p:nvPr/>
+      </p:nvGrpSpPr>
+      <p:grpSpPr>
+        <a:xfrm>
+          <a:off x="0" y="0"/>
+          <a:ext cx="0" cy="0"/>
+          <a:chOff x="0" y="0"/>
+          <a:chExt cx="0" cy="0"/>
+        </a:xfrm>
+      </p:grpSpPr>
+      <p:sp>
+        <p:nvSpPr>
+          <p:cNvPr id="17" name="Rectangle 16">
+            <a:extLst>
+              <a:ext uri="{FF2B5EF4-FFF2-40B4-BE49-F238E27FC236}">
+                <a16:creationId xmlns:a16="http://schemas.microsoft.com/office/drawing/2014/main" id="{BF826205-0E96-AD7A-0F8A-9D90A9BC54BF}"/>
+              </a:ext>
+            </a:extLst>
+          </p:cNvPr>
+          <p:cNvSpPr/>
+          <p:nvPr/>
+        </p:nvSpPr>
+        <p:spPr>
+          <a:xfrm>
+            <a:off x="2712720" y="1897539"/>
+            <a:ext cx="5354320" cy="3812381"/>
+          </a:xfrm>
+          <a:prstGeom prst="rect">
+            <a:avLst/>
+          </a:prstGeom>
+          <a:solidFill>
+            <a:schemeClr val="accent4">
+              <a:lumMod val="20000"/>
+              <a:lumOff val="80000"/>
+            </a:schemeClr>
+          </a:solidFill>
+        </p:spPr>
+        <p:style>
+          <a:lnRef idx="2">
+            <a:schemeClr val="accent1">
+              <a:shade val="15000"/>
+            </a:schemeClr>
+          </a:lnRef>
+          <a:fillRef idx="1">
+            <a:schemeClr val="accent1"/>
+          </a:fillRef>
+          <a:effectRef idx="0">
+            <a:schemeClr val="accent1"/>
+          </a:effectRef>
+          <a:fontRef idx="minor">
+            <a:schemeClr val="lt1"/>
+          </a:fontRef>
+        </p:style>
+        <p:txBody>
+          <a:bodyPr rtlCol="0" anchor="ctr"/>
+          <a:lstStyle/>
+          <a:p>
+            <a:pPr algn="ctr"/>
+            <a:endParaRPr lang="en-SG"/>
+          </a:p>
+        </p:txBody>
+      </p:sp>
+      <p:sp>
+        <p:nvSpPr>
+          <p:cNvPr id="2" name="Title 1">
+            <a:extLst>
+              <a:ext uri="{FF2B5EF4-FFF2-40B4-BE49-F238E27FC236}">
+                <a16:creationId xmlns:a16="http://schemas.microsoft.com/office/drawing/2014/main" id="{39BC1BE8-4D55-8546-EF2F-CCD4524D72CD}"/>
+              </a:ext>
+            </a:extLst>
+          </p:cNvPr>
+          <p:cNvSpPr>
+            <a:spLocks noGrp="1"/>
+          </p:cNvSpPr>
+          <p:nvPr>
+            <p:ph type="title"/>
+          </p:nvPr>
+        </p:nvSpPr>
+        <p:spPr/>
+        <p:txBody>
+          <a:bodyPr/>
+          <a:lstStyle/>
+          <a:p>
+            <a:r>
+              <a:rPr lang="en-SG" dirty="0"/>
+              <a:t>Proper Setup – API gateway</a:t>
+            </a:r>
+          </a:p>
+        </p:txBody>
+      </p:sp>
+      <p:sp>
+        <p:nvSpPr>
+          <p:cNvPr id="4" name="Rectangle: Rounded Corners 3">
+            <a:extLst>
+              <a:ext uri="{FF2B5EF4-FFF2-40B4-BE49-F238E27FC236}">
+                <a16:creationId xmlns:a16="http://schemas.microsoft.com/office/drawing/2014/main" id="{60DE79D7-7E4B-38BC-8F39-902F8E7CE4B7}"/>
+              </a:ext>
+            </a:extLst>
+          </p:cNvPr>
+          <p:cNvSpPr/>
+          <p:nvPr/>
+        </p:nvSpPr>
+        <p:spPr>
+          <a:xfrm>
+            <a:off x="1380490" y="3381216"/>
+            <a:ext cx="822960" cy="629920"/>
+          </a:xfrm>
+          <a:prstGeom prst="roundRect">
+            <a:avLst/>
+          </a:prstGeom>
+        </p:spPr>
+        <p:style>
+          <a:lnRef idx="2">
+            <a:schemeClr val="accent1">
+              <a:shade val="15000"/>
+            </a:schemeClr>
+          </a:lnRef>
+          <a:fillRef idx="1">
+            <a:schemeClr val="accent1"/>
+          </a:fillRef>
+          <a:effectRef idx="0">
+            <a:schemeClr val="accent1"/>
+          </a:effectRef>
+          <a:fontRef idx="minor">
+            <a:schemeClr val="lt1"/>
+          </a:fontRef>
+        </p:style>
+        <p:txBody>
+          <a:bodyPr rtlCol="0" anchor="ctr"/>
+          <a:lstStyle/>
+          <a:p>
+            <a:pPr algn="ctr"/>
+            <a:r>
+              <a:rPr lang="en-SG" dirty="0"/>
+              <a:t>ALB</a:t>
+            </a:r>
+          </a:p>
+        </p:txBody>
+      </p:sp>
+      <p:sp>
+        <p:nvSpPr>
+          <p:cNvPr id="5" name="Rectangle: Rounded Corners 4">
+            <a:extLst>
+              <a:ext uri="{FF2B5EF4-FFF2-40B4-BE49-F238E27FC236}">
+                <a16:creationId xmlns:a16="http://schemas.microsoft.com/office/drawing/2014/main" id="{2B817390-D34A-2121-0C8E-1A2B4BD717A0}"/>
+              </a:ext>
+            </a:extLst>
+          </p:cNvPr>
+          <p:cNvSpPr/>
+          <p:nvPr/>
+        </p:nvSpPr>
+        <p:spPr>
+          <a:xfrm>
+            <a:off x="3049905" y="3370898"/>
+            <a:ext cx="1041400" cy="629920"/>
+          </a:xfrm>
+          <a:prstGeom prst="roundRect">
+            <a:avLst/>
+          </a:prstGeom>
+        </p:spPr>
+        <p:style>
+          <a:lnRef idx="2">
+            <a:schemeClr val="accent1">
+              <a:shade val="15000"/>
+            </a:schemeClr>
+          </a:lnRef>
+          <a:fillRef idx="1">
+            <a:schemeClr val="accent1"/>
+          </a:fillRef>
+          <a:effectRef idx="0">
+            <a:schemeClr val="accent1"/>
+          </a:effectRef>
+          <a:fontRef idx="minor">
+            <a:schemeClr val="lt1"/>
+          </a:fontRef>
+        </p:style>
+        <p:txBody>
+          <a:bodyPr rtlCol="0" anchor="ctr"/>
+          <a:lstStyle/>
+          <a:p>
+            <a:pPr algn="ctr"/>
+            <a:r>
+              <a:rPr lang="en-SG" dirty="0"/>
+              <a:t>Ingress</a:t>
+            </a:r>
+          </a:p>
+        </p:txBody>
+      </p:sp>
+      <p:sp>
+        <p:nvSpPr>
+          <p:cNvPr id="6" name="Rectangle 5">
+            <a:extLst>
+              <a:ext uri="{FF2B5EF4-FFF2-40B4-BE49-F238E27FC236}">
+                <a16:creationId xmlns:a16="http://schemas.microsoft.com/office/drawing/2014/main" id="{5A20D77C-E992-5FF1-CEB2-981DAA6AC90A}"/>
+              </a:ext>
+            </a:extLst>
+          </p:cNvPr>
+          <p:cNvSpPr/>
+          <p:nvPr/>
+        </p:nvSpPr>
+        <p:spPr>
+          <a:xfrm>
+            <a:off x="2928620" y="2296160"/>
+            <a:ext cx="3167380" cy="3088640"/>
+          </a:xfrm>
+          <a:prstGeom prst="rect">
+            <a:avLst/>
+          </a:prstGeom>
+          <a:noFill/>
+        </p:spPr>
+        <p:style>
+          <a:lnRef idx="2">
+            <a:schemeClr val="accent1">
+              <a:shade val="15000"/>
+            </a:schemeClr>
+          </a:lnRef>
+          <a:fillRef idx="1">
+            <a:schemeClr val="accent1"/>
+          </a:fillRef>
+          <a:effectRef idx="0">
+            <a:schemeClr val="accent1"/>
+          </a:effectRef>
+          <a:fontRef idx="minor">
+            <a:schemeClr val="lt1"/>
+          </a:fontRef>
+        </p:style>
+        <p:txBody>
+          <a:bodyPr rtlCol="0" anchor="ctr"/>
+          <a:lstStyle/>
+          <a:p>
+            <a:pPr algn="ctr"/>
+            <a:endParaRPr lang="en-SG"/>
+          </a:p>
+        </p:txBody>
+      </p:sp>
+      <p:sp>
+        <p:nvSpPr>
+          <p:cNvPr id="7" name="TextBox 6">
+            <a:extLst>
+              <a:ext uri="{FF2B5EF4-FFF2-40B4-BE49-F238E27FC236}">
+                <a16:creationId xmlns:a16="http://schemas.microsoft.com/office/drawing/2014/main" id="{4FC3C9A1-2677-A54E-83B1-0FF956C8F14E}"/>
+              </a:ext>
+            </a:extLst>
+          </p:cNvPr>
+          <p:cNvSpPr txBox="1"/>
+          <p:nvPr/>
+        </p:nvSpPr>
+        <p:spPr>
+          <a:xfrm>
+            <a:off x="3517900" y="5019040"/>
+            <a:ext cx="1127760" cy="365760"/>
+          </a:xfrm>
+          <a:prstGeom prst="rect">
+            <a:avLst/>
+          </a:prstGeom>
+          <a:noFill/>
+        </p:spPr>
+        <p:txBody>
+          <a:bodyPr wrap="square" rtlCol="0">
+            <a:spAutoFit/>
+          </a:bodyPr>
+          <a:lstStyle/>
+          <a:p>
+            <a:r>
+              <a:rPr lang="en-SG" b="1" dirty="0" err="1"/>
+              <a:t>ms</a:t>
+            </a:r>
+            <a:r>
+              <a:rPr lang="en-SG" b="1" dirty="0"/>
+              <a:t>-layer</a:t>
+            </a:r>
+          </a:p>
+        </p:txBody>
+      </p:sp>
+      <p:sp>
+        <p:nvSpPr>
+          <p:cNvPr id="8" name="Rectangle 7">
+            <a:extLst>
+              <a:ext uri="{FF2B5EF4-FFF2-40B4-BE49-F238E27FC236}">
+                <a16:creationId xmlns:a16="http://schemas.microsoft.com/office/drawing/2014/main" id="{7E2A4192-8D29-5E10-63B2-282324EB45BD}"/>
+              </a:ext>
+            </a:extLst>
+          </p:cNvPr>
+          <p:cNvSpPr/>
+          <p:nvPr/>
+        </p:nvSpPr>
+        <p:spPr>
+          <a:xfrm>
+            <a:off x="6195060" y="2296160"/>
+            <a:ext cx="1526540" cy="3088640"/>
+          </a:xfrm>
+          <a:prstGeom prst="rect">
+            <a:avLst/>
+          </a:prstGeom>
+          <a:noFill/>
+        </p:spPr>
+        <p:style>
+          <a:lnRef idx="2">
+            <a:schemeClr val="accent1">
+              <a:shade val="15000"/>
+            </a:schemeClr>
+          </a:lnRef>
+          <a:fillRef idx="1">
+            <a:schemeClr val="accent1"/>
+          </a:fillRef>
+          <a:effectRef idx="0">
+            <a:schemeClr val="accent1"/>
+          </a:effectRef>
+          <a:fontRef idx="minor">
+            <a:schemeClr val="lt1"/>
+          </a:fontRef>
+        </p:style>
+        <p:txBody>
+          <a:bodyPr rtlCol="0" anchor="ctr"/>
+          <a:lstStyle/>
+          <a:p>
+            <a:pPr algn="ctr"/>
+            <a:endParaRPr lang="en-SG"/>
+          </a:p>
+        </p:txBody>
+      </p:sp>
+      <p:sp>
+        <p:nvSpPr>
+          <p:cNvPr id="9" name="TextBox 8">
+            <a:extLst>
+              <a:ext uri="{FF2B5EF4-FFF2-40B4-BE49-F238E27FC236}">
+                <a16:creationId xmlns:a16="http://schemas.microsoft.com/office/drawing/2014/main" id="{5904722D-9645-6277-7D58-D29553F1D7DB}"/>
+              </a:ext>
+            </a:extLst>
+          </p:cNvPr>
+          <p:cNvSpPr txBox="1"/>
+          <p:nvPr/>
+        </p:nvSpPr>
+        <p:spPr>
+          <a:xfrm>
+            <a:off x="6126480" y="5015468"/>
+            <a:ext cx="1717040" cy="369332"/>
+          </a:xfrm>
+          <a:prstGeom prst="rect">
+            <a:avLst/>
+          </a:prstGeom>
+          <a:noFill/>
+        </p:spPr>
+        <p:txBody>
+          <a:bodyPr wrap="square" rtlCol="0">
+            <a:spAutoFit/>
+          </a:bodyPr>
+          <a:lstStyle/>
+          <a:p>
+            <a:r>
+              <a:rPr lang="en-SG" b="1" dirty="0"/>
+              <a:t>common-utils</a:t>
+            </a:r>
+          </a:p>
+        </p:txBody>
+      </p:sp>
+      <p:sp>
+        <p:nvSpPr>
+          <p:cNvPr id="10" name="Rectangle: Rounded Corners 9">
+            <a:extLst>
+              <a:ext uri="{FF2B5EF4-FFF2-40B4-BE49-F238E27FC236}">
+                <a16:creationId xmlns:a16="http://schemas.microsoft.com/office/drawing/2014/main" id="{FA4E9B48-03CD-AF19-A76E-8D8617C34DB4}"/>
+              </a:ext>
+            </a:extLst>
+          </p:cNvPr>
+          <p:cNvSpPr/>
+          <p:nvPr/>
+        </p:nvSpPr>
+        <p:spPr>
+          <a:xfrm>
+            <a:off x="6342380" y="2672080"/>
+            <a:ext cx="1186180" cy="629920"/>
+          </a:xfrm>
+          <a:prstGeom prst="roundRect">
+            <a:avLst/>
+          </a:prstGeom>
+        </p:spPr>
+        <p:style>
+          <a:lnRef idx="2">
+            <a:schemeClr val="accent1">
+              <a:shade val="15000"/>
+            </a:schemeClr>
+          </a:lnRef>
+          <a:fillRef idx="1">
+            <a:schemeClr val="accent1"/>
+          </a:fillRef>
+          <a:effectRef idx="0">
+            <a:schemeClr val="accent1"/>
+          </a:effectRef>
+          <a:fontRef idx="minor">
+            <a:schemeClr val="lt1"/>
+          </a:fontRef>
+        </p:style>
+        <p:txBody>
+          <a:bodyPr rtlCol="0" anchor="ctr"/>
+          <a:lstStyle/>
+          <a:p>
+            <a:pPr algn="ctr"/>
+            <a:r>
+              <a:rPr lang="en-SG" dirty="0" err="1"/>
+              <a:t>rabbitmq</a:t>
+            </a:r>
+            <a:endParaRPr lang="en-SG" dirty="0"/>
+          </a:p>
+        </p:txBody>
+      </p:sp>
+      <p:sp>
+        <p:nvSpPr>
+          <p:cNvPr id="11" name="Rectangle: Rounded Corners 10">
+            <a:extLst>
+              <a:ext uri="{FF2B5EF4-FFF2-40B4-BE49-F238E27FC236}">
+                <a16:creationId xmlns:a16="http://schemas.microsoft.com/office/drawing/2014/main" id="{9579CD9A-ED41-E696-274D-35EE10091814}"/>
+              </a:ext>
+            </a:extLst>
+          </p:cNvPr>
+          <p:cNvSpPr/>
+          <p:nvPr/>
+        </p:nvSpPr>
+        <p:spPr>
+          <a:xfrm>
+            <a:off x="6342380" y="3449320"/>
+            <a:ext cx="1186180" cy="629920"/>
+          </a:xfrm>
+          <a:prstGeom prst="roundRect">
+            <a:avLst/>
+          </a:prstGeom>
+        </p:spPr>
+        <p:style>
+          <a:lnRef idx="2">
+            <a:schemeClr val="accent1">
+              <a:shade val="15000"/>
+            </a:schemeClr>
+          </a:lnRef>
+          <a:fillRef idx="1">
+            <a:schemeClr val="accent1"/>
+          </a:fillRef>
+          <a:effectRef idx="0">
+            <a:schemeClr val="accent1"/>
+          </a:effectRef>
+          <a:fontRef idx="minor">
+            <a:schemeClr val="lt1"/>
+          </a:fontRef>
+        </p:style>
+        <p:txBody>
+          <a:bodyPr rtlCol="0" anchor="ctr"/>
+          <a:lstStyle/>
+          <a:p>
+            <a:pPr algn="ctr"/>
+            <a:r>
+              <a:rPr lang="en-SG" dirty="0" err="1"/>
+              <a:t>postgres</a:t>
+            </a:r>
+            <a:endParaRPr lang="en-SG" dirty="0"/>
+          </a:p>
+        </p:txBody>
+      </p:sp>
+      <p:sp>
+        <p:nvSpPr>
+          <p:cNvPr id="12" name="Rectangle: Rounded Corners 11">
+            <a:extLst>
+              <a:ext uri="{FF2B5EF4-FFF2-40B4-BE49-F238E27FC236}">
+                <a16:creationId xmlns:a16="http://schemas.microsoft.com/office/drawing/2014/main" id="{21F24CF8-CD16-A47D-76A2-ADCA2F390EB8}"/>
+              </a:ext>
+            </a:extLst>
+          </p:cNvPr>
+          <p:cNvSpPr/>
+          <p:nvPr/>
+        </p:nvSpPr>
+        <p:spPr>
+          <a:xfrm>
+            <a:off x="6342380" y="4241800"/>
+            <a:ext cx="1186180" cy="629920"/>
+          </a:xfrm>
+          <a:prstGeom prst="roundRect">
+            <a:avLst/>
+          </a:prstGeom>
+        </p:spPr>
+        <p:style>
+          <a:lnRef idx="2">
+            <a:schemeClr val="accent1">
+              <a:shade val="15000"/>
+            </a:schemeClr>
+          </a:lnRef>
+          <a:fillRef idx="1">
+            <a:schemeClr val="accent1"/>
+          </a:fillRef>
+          <a:effectRef idx="0">
+            <a:schemeClr val="accent1"/>
+          </a:effectRef>
+          <a:fontRef idx="minor">
+            <a:schemeClr val="lt1"/>
+          </a:fontRef>
+        </p:style>
+        <p:txBody>
+          <a:bodyPr rtlCol="0" anchor="ctr"/>
+          <a:lstStyle/>
+          <a:p>
+            <a:pPr algn="ctr"/>
+            <a:r>
+              <a:rPr lang="en-SG" dirty="0" err="1"/>
+              <a:t>pgadmin</a:t>
+            </a:r>
+            <a:endParaRPr lang="en-SG" dirty="0"/>
+          </a:p>
+        </p:txBody>
+      </p:sp>
+      <p:sp>
+        <p:nvSpPr>
+          <p:cNvPr id="13" name="Rectangle: Rounded Corners 12">
+            <a:extLst>
+              <a:ext uri="{FF2B5EF4-FFF2-40B4-BE49-F238E27FC236}">
+                <a16:creationId xmlns:a16="http://schemas.microsoft.com/office/drawing/2014/main" id="{E092A28F-30CD-9726-2EC7-018580651ECC}"/>
+              </a:ext>
+            </a:extLst>
+          </p:cNvPr>
+          <p:cNvSpPr/>
+          <p:nvPr/>
+        </p:nvSpPr>
+        <p:spPr>
+          <a:xfrm>
+            <a:off x="4991100" y="2377361"/>
+            <a:ext cx="1041400" cy="629920"/>
+          </a:xfrm>
+          <a:prstGeom prst="roundRect">
+            <a:avLst/>
+          </a:prstGeom>
+        </p:spPr>
+        <p:style>
+          <a:lnRef idx="2">
+            <a:schemeClr val="accent1">
+              <a:shade val="15000"/>
+            </a:schemeClr>
+          </a:lnRef>
+          <a:fillRef idx="1">
+            <a:schemeClr val="accent1"/>
+          </a:fillRef>
+          <a:effectRef idx="0">
+            <a:schemeClr val="accent1"/>
+          </a:effectRef>
+          <a:fontRef idx="minor">
+            <a:schemeClr val="lt1"/>
+          </a:fontRef>
+        </p:style>
+        <p:txBody>
+          <a:bodyPr rtlCol="0" anchor="ctr"/>
+          <a:lstStyle/>
+          <a:p>
+            <a:pPr algn="ctr"/>
+            <a:r>
+              <a:rPr lang="en-SG" dirty="0"/>
+              <a:t>user</a:t>
+            </a:r>
+          </a:p>
+        </p:txBody>
+      </p:sp>
+      <p:sp>
+        <p:nvSpPr>
+          <p:cNvPr id="15" name="Rectangle: Rounded Corners 14">
+            <a:extLst>
+              <a:ext uri="{FF2B5EF4-FFF2-40B4-BE49-F238E27FC236}">
+                <a16:creationId xmlns:a16="http://schemas.microsoft.com/office/drawing/2014/main" id="{3A14EB10-56A8-37EB-EA2C-FAB61DE84170}"/>
+              </a:ext>
+            </a:extLst>
+          </p:cNvPr>
+          <p:cNvSpPr/>
+          <p:nvPr/>
+        </p:nvSpPr>
+        <p:spPr>
+          <a:xfrm>
+            <a:off x="4423410" y="3362721"/>
+            <a:ext cx="1041400" cy="629920"/>
+          </a:xfrm>
+          <a:prstGeom prst="roundRect">
+            <a:avLst/>
+          </a:prstGeom>
+        </p:spPr>
+        <p:style>
+          <a:lnRef idx="2">
+            <a:schemeClr val="accent1">
+              <a:shade val="15000"/>
+            </a:schemeClr>
+          </a:lnRef>
+          <a:fillRef idx="1">
+            <a:schemeClr val="accent1"/>
+          </a:fillRef>
+          <a:effectRef idx="0">
+            <a:schemeClr val="accent1"/>
+          </a:effectRef>
+          <a:fontRef idx="minor">
+            <a:schemeClr val="lt1"/>
+          </a:fontRef>
+        </p:style>
+        <p:txBody>
+          <a:bodyPr rtlCol="0" anchor="ctr"/>
+          <a:lstStyle/>
+          <a:p>
+            <a:pPr algn="ctr"/>
+            <a:r>
+              <a:rPr lang="en-SG" dirty="0" err="1"/>
+              <a:t>Zuul</a:t>
+            </a:r>
+            <a:endParaRPr lang="en-SG" dirty="0"/>
+          </a:p>
+        </p:txBody>
+      </p:sp>
+      <p:sp>
+        <p:nvSpPr>
+          <p:cNvPr id="16" name="Rectangle: Rounded Corners 15">
+            <a:extLst>
+              <a:ext uri="{FF2B5EF4-FFF2-40B4-BE49-F238E27FC236}">
+                <a16:creationId xmlns:a16="http://schemas.microsoft.com/office/drawing/2014/main" id="{973203AF-BB33-CE22-197C-A65D7537DA4C}"/>
+              </a:ext>
+            </a:extLst>
+          </p:cNvPr>
+          <p:cNvSpPr/>
+          <p:nvPr/>
+        </p:nvSpPr>
+        <p:spPr>
+          <a:xfrm>
+            <a:off x="4944110" y="4348082"/>
+            <a:ext cx="1041400" cy="629920"/>
+          </a:xfrm>
+          <a:prstGeom prst="roundRect">
+            <a:avLst/>
+          </a:prstGeom>
+        </p:spPr>
+        <p:style>
+          <a:lnRef idx="2">
+            <a:schemeClr val="accent1">
+              <a:shade val="15000"/>
+            </a:schemeClr>
+          </a:lnRef>
+          <a:fillRef idx="1">
+            <a:schemeClr val="accent1"/>
+          </a:fillRef>
+          <a:effectRef idx="0">
+            <a:schemeClr val="accent1"/>
+          </a:effectRef>
+          <a:fontRef idx="minor">
+            <a:schemeClr val="lt1"/>
+          </a:fontRef>
+        </p:style>
+        <p:txBody>
+          <a:bodyPr rtlCol="0" anchor="ctr"/>
+          <a:lstStyle/>
+          <a:p>
+            <a:pPr algn="ctr"/>
+            <a:r>
+              <a:rPr lang="en-SG" dirty="0"/>
+              <a:t>notification</a:t>
+            </a:r>
+          </a:p>
+        </p:txBody>
+      </p:sp>
+      <p:sp>
+        <p:nvSpPr>
+          <p:cNvPr id="18" name="TextBox 17">
+            <a:extLst>
+              <a:ext uri="{FF2B5EF4-FFF2-40B4-BE49-F238E27FC236}">
+                <a16:creationId xmlns:a16="http://schemas.microsoft.com/office/drawing/2014/main" id="{EF7984BD-FC6B-1C56-6DE9-5848AC6EC645}"/>
+              </a:ext>
+            </a:extLst>
+          </p:cNvPr>
+          <p:cNvSpPr txBox="1"/>
+          <p:nvPr/>
+        </p:nvSpPr>
+        <p:spPr>
+          <a:xfrm>
+            <a:off x="6663690" y="5360908"/>
+            <a:ext cx="2115820" cy="369332"/>
+          </a:xfrm>
+          <a:prstGeom prst="rect">
+            <a:avLst/>
+          </a:prstGeom>
+          <a:noFill/>
+        </p:spPr>
+        <p:txBody>
+          <a:bodyPr wrap="square" rtlCol="0">
+            <a:spAutoFit/>
+          </a:bodyPr>
+          <a:lstStyle/>
+          <a:p>
+            <a:r>
+              <a:rPr lang="en-SG" b="1" dirty="0"/>
+              <a:t>EKS cluster</a:t>
+            </a:r>
+          </a:p>
+        </p:txBody>
+      </p:sp>
+      <p:cxnSp>
+        <p:nvCxnSpPr>
+          <p:cNvPr id="20" name="Straight Arrow Connector 19">
+            <a:extLst>
+              <a:ext uri="{FF2B5EF4-FFF2-40B4-BE49-F238E27FC236}">
+                <a16:creationId xmlns:a16="http://schemas.microsoft.com/office/drawing/2014/main" id="{AA6910B3-6A9D-CB02-0B5D-226549CEDA25}"/>
+              </a:ext>
+            </a:extLst>
+          </p:cNvPr>
+          <p:cNvCxnSpPr>
+            <a:stCxn id="4" idx="3"/>
+            <a:endCxn id="5" idx="1"/>
+          </p:cNvCxnSpPr>
+          <p:nvPr/>
+        </p:nvCxnSpPr>
+        <p:spPr>
+          <a:xfrm flipV="1">
+            <a:off x="2203450" y="3685858"/>
+            <a:ext cx="846455" cy="10318"/>
+          </a:xfrm>
+          <a:prstGeom prst="straightConnector1">
+            <a:avLst/>
+          </a:prstGeom>
+          <a:ln>
+            <a:tailEnd type="triangle"/>
+          </a:ln>
+        </p:spPr>
+        <p:style>
+          <a:lnRef idx="2">
+            <a:schemeClr val="accent1"/>
+          </a:lnRef>
+          <a:fillRef idx="0">
+            <a:schemeClr val="accent1"/>
+          </a:fillRef>
+          <a:effectRef idx="1">
+            <a:schemeClr val="accent1"/>
+          </a:effectRef>
+          <a:fontRef idx="minor">
+            <a:schemeClr val="tx1"/>
+          </a:fontRef>
+        </p:style>
+      </p:cxnSp>
+      <p:cxnSp>
+        <p:nvCxnSpPr>
+          <p:cNvPr id="24" name="Straight Arrow Connector 23">
+            <a:extLst>
+              <a:ext uri="{FF2B5EF4-FFF2-40B4-BE49-F238E27FC236}">
+                <a16:creationId xmlns:a16="http://schemas.microsoft.com/office/drawing/2014/main" id="{36259ABE-9A01-9AD3-94C8-3E2EC1C619A9}"/>
+              </a:ext>
+            </a:extLst>
+          </p:cNvPr>
+          <p:cNvCxnSpPr>
+            <a:cxnSpLocks/>
+            <a:stCxn id="15" idx="0"/>
+            <a:endCxn id="13" idx="2"/>
+          </p:cNvCxnSpPr>
+          <p:nvPr/>
+        </p:nvCxnSpPr>
+        <p:spPr>
+          <a:xfrm flipV="1">
+            <a:off x="4944110" y="3007281"/>
+            <a:ext cx="567690" cy="355440"/>
+          </a:xfrm>
+          <a:prstGeom prst="straightConnector1">
+            <a:avLst/>
+          </a:prstGeom>
+          <a:ln>
+            <a:tailEnd type="triangle"/>
+          </a:ln>
+        </p:spPr>
+        <p:style>
+          <a:lnRef idx="2">
+            <a:schemeClr val="accent1"/>
+          </a:lnRef>
+          <a:fillRef idx="0">
+            <a:schemeClr val="accent1"/>
+          </a:fillRef>
+          <a:effectRef idx="1">
+            <a:schemeClr val="accent1"/>
+          </a:effectRef>
+          <a:fontRef idx="minor">
+            <a:schemeClr val="tx1"/>
+          </a:fontRef>
+        </p:style>
+      </p:cxnSp>
+      <p:cxnSp>
+        <p:nvCxnSpPr>
+          <p:cNvPr id="26" name="Straight Arrow Connector 25">
+            <a:extLst>
+              <a:ext uri="{FF2B5EF4-FFF2-40B4-BE49-F238E27FC236}">
+                <a16:creationId xmlns:a16="http://schemas.microsoft.com/office/drawing/2014/main" id="{44A657AC-C1CF-E86C-2176-D6893B15C542}"/>
+              </a:ext>
+            </a:extLst>
+          </p:cNvPr>
+          <p:cNvCxnSpPr>
+            <a:stCxn id="15" idx="2"/>
+            <a:endCxn id="16" idx="0"/>
+          </p:cNvCxnSpPr>
+          <p:nvPr/>
+        </p:nvCxnSpPr>
+        <p:spPr>
+          <a:xfrm>
+            <a:off x="4944110" y="3992641"/>
+            <a:ext cx="520700" cy="355441"/>
+          </a:xfrm>
+          <a:prstGeom prst="straightConnector1">
+            <a:avLst/>
+          </a:prstGeom>
+          <a:ln>
+            <a:tailEnd type="triangle"/>
+          </a:ln>
+        </p:spPr>
+        <p:style>
+          <a:lnRef idx="2">
+            <a:schemeClr val="accent1"/>
+          </a:lnRef>
+          <a:fillRef idx="0">
+            <a:schemeClr val="accent1"/>
+          </a:fillRef>
+          <a:effectRef idx="1">
+            <a:schemeClr val="accent1"/>
+          </a:effectRef>
+          <a:fontRef idx="minor">
+            <a:schemeClr val="tx1"/>
+          </a:fontRef>
+        </p:style>
+      </p:cxnSp>
+      <p:cxnSp>
+        <p:nvCxnSpPr>
+          <p:cNvPr id="36" name="Straight Arrow Connector 35">
+            <a:extLst>
+              <a:ext uri="{FF2B5EF4-FFF2-40B4-BE49-F238E27FC236}">
+                <a16:creationId xmlns:a16="http://schemas.microsoft.com/office/drawing/2014/main" id="{B97CB2CE-87E9-0888-17DE-02B4ADD3E6D4}"/>
+              </a:ext>
+            </a:extLst>
+          </p:cNvPr>
+          <p:cNvCxnSpPr>
+            <a:stCxn id="5" idx="3"/>
+            <a:endCxn id="15" idx="1"/>
+          </p:cNvCxnSpPr>
+          <p:nvPr/>
+        </p:nvCxnSpPr>
+        <p:spPr>
+          <a:xfrm flipV="1">
+            <a:off x="4091305" y="3677681"/>
+            <a:ext cx="332105" cy="8177"/>
+          </a:xfrm>
+          <a:prstGeom prst="straightConnector1">
+            <a:avLst/>
+          </a:prstGeom>
+          <a:ln>
+            <a:tailEnd type="triangle"/>
+          </a:ln>
+        </p:spPr>
+        <p:style>
+          <a:lnRef idx="2">
+            <a:schemeClr val="accent1"/>
+          </a:lnRef>
+          <a:fillRef idx="0">
+            <a:schemeClr val="accent1"/>
+          </a:fillRef>
+          <a:effectRef idx="1">
+            <a:schemeClr val="accent1"/>
+          </a:effectRef>
+          <a:fontRef idx="minor">
+            <a:schemeClr val="tx1"/>
+          </a:fontRef>
+        </p:style>
+      </p:cxnSp>
+      <p:pic>
+        <p:nvPicPr>
+          <p:cNvPr id="1026" name="Picture 2" descr="Logos">
+            <a:extLst>
+              <a:ext uri="{FF2B5EF4-FFF2-40B4-BE49-F238E27FC236}">
+                <a16:creationId xmlns:a16="http://schemas.microsoft.com/office/drawing/2014/main" id="{C9386666-F116-B2C9-CEA2-02E4813D0CC1}"/>
+              </a:ext>
+            </a:extLst>
+          </p:cNvPr>
+          <p:cNvPicPr>
+            <a:picLocks noChangeAspect="1" noChangeArrowheads="1"/>
+          </p:cNvPicPr>
+          <p:nvPr/>
+        </p:nvPicPr>
+        <p:blipFill>
+          <a:blip r:embed="rId2">
+            <a:extLst>
+              <a:ext uri="{28A0092B-C50C-407E-A947-70E740481C1C}">
+                <a14:useLocalDpi xmlns:a14="http://schemas.microsoft.com/office/drawing/2010/main" val="0"/>
+              </a:ext>
+            </a:extLst>
+          </a:blip>
+          <a:srcRect/>
+          <a:stretch>
+            <a:fillRect/>
+          </a:stretch>
+        </p:blipFill>
+        <p:spPr bwMode="auto">
+          <a:xfrm>
+            <a:off x="4158615" y="1280527"/>
+            <a:ext cx="1041400" cy="544215"/>
+          </a:xfrm>
+          <a:prstGeom prst="rect">
+            <a:avLst/>
+          </a:prstGeom>
+          <a:noFill/>
+          <a:extLst>
+            <a:ext uri="{909E8E84-426E-40DD-AFC4-6F175D3DCCD1}">
+              <a14:hiddenFill xmlns:a14="http://schemas.microsoft.com/office/drawing/2010/main">
+                <a:solidFill>
+                  <a:srgbClr val="FFFFFF"/>
+                </a:solidFill>
+              </a14:hiddenFill>
+            </a:ext>
+          </a:extLst>
+        </p:spPr>
+      </p:pic>
+      <p:cxnSp>
+        <p:nvCxnSpPr>
+          <p:cNvPr id="41" name="Straight Arrow Connector 40">
+            <a:extLst>
+              <a:ext uri="{FF2B5EF4-FFF2-40B4-BE49-F238E27FC236}">
+                <a16:creationId xmlns:a16="http://schemas.microsoft.com/office/drawing/2014/main" id="{C5774D1D-88F1-AF85-D14F-C70745F8C17E}"/>
+              </a:ext>
+            </a:extLst>
+          </p:cNvPr>
+          <p:cNvCxnSpPr>
+            <a:cxnSpLocks/>
+            <a:endCxn id="1026" idx="2"/>
+          </p:cNvCxnSpPr>
+          <p:nvPr/>
+        </p:nvCxnSpPr>
+        <p:spPr>
+          <a:xfrm flipV="1">
+            <a:off x="4679315" y="1824742"/>
+            <a:ext cx="0" cy="1664493"/>
+          </a:xfrm>
+          <a:prstGeom prst="straightConnector1">
+            <a:avLst/>
+          </a:prstGeom>
+          <a:ln>
+            <a:tailEnd type="triangle"/>
+          </a:ln>
+        </p:spPr>
+        <p:style>
+          <a:lnRef idx="2">
+            <a:schemeClr val="accent1"/>
+          </a:lnRef>
+          <a:fillRef idx="0">
+            <a:schemeClr val="accent1"/>
+          </a:fillRef>
+          <a:effectRef idx="1">
+            <a:schemeClr val="accent1"/>
+          </a:effectRef>
+          <a:fontRef idx="minor">
+            <a:schemeClr val="tx1"/>
+          </a:fontRef>
+        </p:style>
+      </p:cxnSp>
+    </p:spTree>
+    <p:extLst>
+      <p:ext uri="{BB962C8B-B14F-4D97-AF65-F5344CB8AC3E}">
+        <p14:creationId xmlns:p14="http://schemas.microsoft.com/office/powerpoint/2010/main" val="2794500971"/>
       </p:ext>
     </p:extLst>
   </p:cSld>
